--- a/9월15일_제안서/응프2_제안서최종_노신우_우창희.pptx
+++ b/9월15일_제안서/응프2_제안서최종_노신우_우창희.pptx
@@ -9,11 +9,11 @@
     <p:sldId id="273" r:id="rId3"/>
     <p:sldId id="298" r:id="rId4"/>
     <p:sldId id="275" r:id="rId5"/>
-    <p:sldId id="277" r:id="rId6"/>
-    <p:sldId id="293" r:id="rId7"/>
-    <p:sldId id="295" r:id="rId8"/>
-    <p:sldId id="296" r:id="rId9"/>
-    <p:sldId id="297" r:id="rId10"/>
+    <p:sldId id="293" r:id="rId6"/>
+    <p:sldId id="295" r:id="rId7"/>
+    <p:sldId id="296" r:id="rId8"/>
+    <p:sldId id="297" r:id="rId9"/>
+    <p:sldId id="277" r:id="rId10"/>
     <p:sldId id="294" r:id="rId11"/>
     <p:sldId id="256" r:id="rId12"/>
   </p:sldIdLst>
@@ -280,7 +280,7 @@
           <a:p>
             <a:fld id="{86D484E9-28E7-414B-8A10-8B88CF2761E2}" type="datetimeFigureOut">
               <a:rPr lang="ko-KR" altLang="en-US" smtClean="0"/>
-              <a:t>2022-09-13</a:t>
+              <a:t>2022-09-15</a:t>
             </a:fld>
             <a:endParaRPr lang="ko-KR" altLang="en-US"/>
           </a:p>
@@ -490,7 +490,7 @@
           <a:p>
             <a:fld id="{86D484E9-28E7-414B-8A10-8B88CF2761E2}" type="datetimeFigureOut">
               <a:rPr lang="ko-KR" altLang="en-US" smtClean="0"/>
-              <a:t>2022-09-13</a:t>
+              <a:t>2022-09-15</a:t>
             </a:fld>
             <a:endParaRPr lang="ko-KR" altLang="en-US"/>
           </a:p>
@@ -710,7 +710,7 @@
           <a:p>
             <a:fld id="{86D484E9-28E7-414B-8A10-8B88CF2761E2}" type="datetimeFigureOut">
               <a:rPr lang="ko-KR" altLang="en-US" smtClean="0"/>
-              <a:t>2022-09-13</a:t>
+              <a:t>2022-09-15</a:t>
             </a:fld>
             <a:endParaRPr lang="ko-KR" altLang="en-US"/>
           </a:p>
@@ -920,7 +920,7 @@
           <a:p>
             <a:fld id="{86D484E9-28E7-414B-8A10-8B88CF2761E2}" type="datetimeFigureOut">
               <a:rPr lang="ko-KR" altLang="en-US" smtClean="0"/>
-              <a:t>2022-09-13</a:t>
+              <a:t>2022-09-15</a:t>
             </a:fld>
             <a:endParaRPr lang="ko-KR" altLang="en-US"/>
           </a:p>
@@ -1207,7 +1207,7 @@
           <a:p>
             <a:fld id="{86D484E9-28E7-414B-8A10-8B88CF2761E2}" type="datetimeFigureOut">
               <a:rPr lang="ko-KR" altLang="en-US" smtClean="0"/>
-              <a:t>2022-09-13</a:t>
+              <a:t>2022-09-15</a:t>
             </a:fld>
             <a:endParaRPr lang="ko-KR" altLang="en-US"/>
           </a:p>
@@ -1484,7 +1484,7 @@
           <a:p>
             <a:fld id="{86D484E9-28E7-414B-8A10-8B88CF2761E2}" type="datetimeFigureOut">
               <a:rPr lang="ko-KR" altLang="en-US" smtClean="0"/>
-              <a:t>2022-09-13</a:t>
+              <a:t>2022-09-15</a:t>
             </a:fld>
             <a:endParaRPr lang="ko-KR" altLang="en-US"/>
           </a:p>
@@ -1908,7 +1908,7 @@
           <a:p>
             <a:fld id="{86D484E9-28E7-414B-8A10-8B88CF2761E2}" type="datetimeFigureOut">
               <a:rPr lang="ko-KR" altLang="en-US" smtClean="0"/>
-              <a:t>2022-09-13</a:t>
+              <a:t>2022-09-15</a:t>
             </a:fld>
             <a:endParaRPr lang="ko-KR" altLang="en-US"/>
           </a:p>
@@ -2061,7 +2061,7 @@
           <a:p>
             <a:fld id="{86D484E9-28E7-414B-8A10-8B88CF2761E2}" type="datetimeFigureOut">
               <a:rPr lang="ko-KR" altLang="en-US" smtClean="0"/>
-              <a:t>2022-09-13</a:t>
+              <a:t>2022-09-15</a:t>
             </a:fld>
             <a:endParaRPr lang="ko-KR" altLang="en-US"/>
           </a:p>
@@ -2186,7 +2186,7 @@
           <a:p>
             <a:fld id="{86D484E9-28E7-414B-8A10-8B88CF2761E2}" type="datetimeFigureOut">
               <a:rPr lang="ko-KR" altLang="en-US" smtClean="0"/>
-              <a:t>2022-09-13</a:t>
+              <a:t>2022-09-15</a:t>
             </a:fld>
             <a:endParaRPr lang="ko-KR" altLang="en-US"/>
           </a:p>
@@ -2604,7 +2604,7 @@
           <a:p>
             <a:fld id="{86D484E9-28E7-414B-8A10-8B88CF2761E2}" type="datetimeFigureOut">
               <a:rPr lang="ko-KR" altLang="en-US" smtClean="0"/>
-              <a:t>2022-09-13</a:t>
+              <a:t>2022-09-15</a:t>
             </a:fld>
             <a:endParaRPr lang="ko-KR" altLang="en-US"/>
           </a:p>
@@ -2904,7 +2904,7 @@
           <a:p>
             <a:fld id="{86D484E9-28E7-414B-8A10-8B88CF2761E2}" type="datetimeFigureOut">
               <a:rPr lang="ko-KR" altLang="en-US" smtClean="0"/>
-              <a:t>2022-09-13</a:t>
+              <a:t>2022-09-15</a:t>
             </a:fld>
             <a:endParaRPr lang="ko-KR" altLang="en-US"/>
           </a:p>
@@ -3157,7 +3157,7 @@
           <a:p>
             <a:fld id="{86D484E9-28E7-414B-8A10-8B88CF2761E2}" type="datetimeFigureOut">
               <a:rPr lang="ko-KR" altLang="en-US" smtClean="0"/>
-              <a:t>2022-09-13</a:t>
+              <a:t>2022-09-15</a:t>
             </a:fld>
             <a:endParaRPr lang="ko-KR" altLang="en-US"/>
           </a:p>
@@ -4093,13 +4093,7 @@
       </p:sp>
       <p:pic>
         <p:nvPicPr>
-          <p:cNvPr id="7" name="그림 6">
-            <a:extLst>
-              <a:ext uri="{FF2B5EF4-FFF2-40B4-BE49-F238E27FC236}">
-                <a16:creationId xmlns:a16="http://schemas.microsoft.com/office/drawing/2014/main" id="{E4D3F9AB-9E54-60BD-E1D1-03CC167DB02F}"/>
-              </a:ext>
-            </a:extLst>
-          </p:cNvPr>
+          <p:cNvPr id="2" name="그림 1"/>
           <p:cNvPicPr>
             <a:picLocks noChangeAspect="1"/>
           </p:cNvPicPr>
@@ -4113,8 +4107,8 @@
         </p:blipFill>
         <p:spPr>
           <a:xfrm>
-            <a:off x="1057528" y="1167562"/>
-            <a:ext cx="8095803" cy="5277107"/>
+            <a:off x="599383" y="1394019"/>
+            <a:ext cx="5535087" cy="5131068"/>
           </a:xfrm>
           <a:prstGeom prst="rect">
             <a:avLst/>
@@ -4143,6 +4137,13 @@
       </p:transition>
     </mc:Fallback>
   </mc:AlternateContent>
+  <p:timing>
+    <p:tnLst>
+      <p:par>
+        <p:cTn id="1" dur="indefinite" restart="never" nodeType="tmRoot"/>
+      </p:par>
+    </p:tnLst>
+  </p:timing>
 </p:sld>
 </file>
 
@@ -4236,6 +4237,13 @@
       </p:transition>
     </mc:Fallback>
   </mc:AlternateContent>
+  <p:timing>
+    <p:tnLst>
+      <p:par>
+        <p:cTn id="1" dur="indefinite" restart="never" nodeType="tmRoot"/>
+      </p:par>
+    </p:tnLst>
+  </p:timing>
 </p:sld>
 </file>
 
@@ -4637,7 +4645,7 @@
         </p:nvGrpSpPr>
         <p:grpSpPr>
           <a:xfrm>
-            <a:off x="440154" y="3044591"/>
+            <a:off x="440154" y="4169223"/>
             <a:ext cx="3535263" cy="690146"/>
             <a:chOff x="440154" y="2095500"/>
             <a:chExt cx="3535263" cy="690146"/>
@@ -4711,8 +4719,8 @@
           </p:nvSpPr>
           <p:spPr>
             <a:xfrm>
-              <a:off x="561448" y="2117408"/>
-              <a:ext cx="447558" cy="646331"/>
+              <a:off x="562249" y="2117408"/>
+              <a:ext cx="445956" cy="646331"/>
             </a:xfrm>
             <a:prstGeom prst="rect">
               <a:avLst/>
@@ -4735,7 +4743,7 @@
                     </a:schemeClr>
                   </a:solidFill>
                 </a:rPr>
-                <a:t>2</a:t>
+                <a:t>3</a:t>
               </a:r>
               <a:endParaRPr lang="ko-KR" altLang="en-US" sz="3600" b="1" dirty="0">
                 <a:solidFill>
@@ -4798,7 +4806,7 @@
         </p:nvGrpSpPr>
         <p:grpSpPr>
           <a:xfrm>
-            <a:off x="437867" y="4234345"/>
+            <a:off x="421149" y="3010409"/>
             <a:ext cx="3455112" cy="690146"/>
             <a:chOff x="440154" y="2095500"/>
             <a:chExt cx="3455112" cy="690146"/>
@@ -4872,8 +4880,8 @@
           </p:nvSpPr>
           <p:spPr>
             <a:xfrm>
-              <a:off x="561448" y="2117408"/>
-              <a:ext cx="447559" cy="646331"/>
+              <a:off x="562249" y="2117408"/>
+              <a:ext cx="445956" cy="646331"/>
             </a:xfrm>
             <a:prstGeom prst="rect">
               <a:avLst/>
@@ -4896,7 +4904,7 @@
                     </a:schemeClr>
                   </a:solidFill>
                 </a:rPr>
-                <a:t>3</a:t>
+                <a:t>2</a:t>
               </a:r>
               <a:endParaRPr lang="ko-KR" altLang="en-US" sz="3600" b="1" dirty="0">
                 <a:solidFill>
@@ -6564,6 +6572,1237 @@
       </p:grpSpPr>
       <p:sp>
         <p:nvSpPr>
+          <p:cNvPr id="14" name="직사각형 13">
+            <a:extLst>
+              <a:ext uri="{FF2B5EF4-FFF2-40B4-BE49-F238E27FC236}">
+                <a16:creationId xmlns:a16="http://schemas.microsoft.com/office/drawing/2014/main" id="{C0D8D0DE-9976-424B-BBE5-B069DF94649C}"/>
+              </a:ext>
+            </a:extLst>
+          </p:cNvPr>
+          <p:cNvSpPr/>
+          <p:nvPr/>
+        </p:nvSpPr>
+        <p:spPr>
+          <a:xfrm>
+            <a:off x="0" y="0"/>
+            <a:ext cx="12192000" cy="127000"/>
+          </a:xfrm>
+          <a:prstGeom prst="rect">
+            <a:avLst/>
+          </a:prstGeom>
+          <a:solidFill>
+            <a:schemeClr val="accent2"/>
+          </a:solidFill>
+          <a:ln>
+            <a:noFill/>
+          </a:ln>
+        </p:spPr>
+        <p:style>
+          <a:lnRef idx="2">
+            <a:schemeClr val="accent1">
+              <a:shade val="50000"/>
+            </a:schemeClr>
+          </a:lnRef>
+          <a:fillRef idx="1">
+            <a:schemeClr val="accent1"/>
+          </a:fillRef>
+          <a:effectRef idx="0">
+            <a:schemeClr val="accent1"/>
+          </a:effectRef>
+          <a:fontRef idx="minor">
+            <a:schemeClr val="lt1"/>
+          </a:fontRef>
+        </p:style>
+        <p:txBody>
+          <a:bodyPr rtlCol="0" anchor="ctr"/>
+          <a:lstStyle/>
+          <a:p>
+            <a:pPr algn="ctr"/>
+            <a:endParaRPr lang="ko-KR" altLang="en-US"/>
+          </a:p>
+        </p:txBody>
+      </p:sp>
+      <p:cxnSp>
+        <p:nvCxnSpPr>
+          <p:cNvPr id="15" name="직선 연결선 14">
+            <a:extLst>
+              <a:ext uri="{FF2B5EF4-FFF2-40B4-BE49-F238E27FC236}">
+                <a16:creationId xmlns:a16="http://schemas.microsoft.com/office/drawing/2014/main" id="{74D3DE46-63F8-4BCC-8069-25C00E33488B}"/>
+              </a:ext>
+            </a:extLst>
+          </p:cNvPr>
+          <p:cNvCxnSpPr>
+            <a:cxnSpLocks/>
+          </p:cNvCxnSpPr>
+          <p:nvPr/>
+        </p:nvCxnSpPr>
+        <p:spPr>
+          <a:xfrm>
+            <a:off x="-152400" y="1054100"/>
+            <a:ext cx="12344400" cy="0"/>
+          </a:xfrm>
+          <a:prstGeom prst="line">
+            <a:avLst/>
+          </a:prstGeom>
+          <a:ln>
+            <a:solidFill>
+              <a:schemeClr val="accent3"/>
+            </a:solidFill>
+          </a:ln>
+        </p:spPr>
+        <p:style>
+          <a:lnRef idx="1">
+            <a:schemeClr val="accent1"/>
+          </a:lnRef>
+          <a:fillRef idx="0">
+            <a:schemeClr val="accent1"/>
+          </a:fillRef>
+          <a:effectRef idx="0">
+            <a:schemeClr val="accent1"/>
+          </a:effectRef>
+          <a:fontRef idx="minor">
+            <a:schemeClr val="tx1"/>
+          </a:fontRef>
+        </p:style>
+      </p:cxnSp>
+      <p:sp>
+        <p:nvSpPr>
+          <p:cNvPr id="16" name="TextBox 15">
+            <a:extLst>
+              <a:ext uri="{FF2B5EF4-FFF2-40B4-BE49-F238E27FC236}">
+                <a16:creationId xmlns:a16="http://schemas.microsoft.com/office/drawing/2014/main" id="{25F6FC0B-D5E0-4E2F-8315-4433F3BB5B19}"/>
+              </a:ext>
+            </a:extLst>
+          </p:cNvPr>
+          <p:cNvSpPr txBox="1"/>
+          <p:nvPr/>
+        </p:nvSpPr>
+        <p:spPr>
+          <a:xfrm>
+            <a:off x="863600" y="285462"/>
+            <a:ext cx="7209025" cy="584775"/>
+          </a:xfrm>
+          <a:prstGeom prst="rect">
+            <a:avLst/>
+          </a:prstGeom>
+          <a:noFill/>
+        </p:spPr>
+        <p:txBody>
+          <a:bodyPr wrap="none" rtlCol="0">
+            <a:spAutoFit/>
+          </a:bodyPr>
+          <a:lstStyle/>
+          <a:p>
+            <a:r>
+              <a:rPr lang="ko-KR" altLang="en-US" sz="3200" dirty="0">
+                <a:solidFill>
+                  <a:schemeClr val="tx1">
+                    <a:lumMod val="75000"/>
+                    <a:lumOff val="25000"/>
+                  </a:schemeClr>
+                </a:solidFill>
+              </a:rPr>
+              <a:t>인터페이스 구상 </a:t>
+            </a:r>
+            <a:r>
+              <a:rPr lang="en-US" altLang="ko-KR" sz="3200" dirty="0">
+                <a:solidFill>
+                  <a:schemeClr val="tx1">
+                    <a:lumMod val="75000"/>
+                    <a:lumOff val="25000"/>
+                  </a:schemeClr>
+                </a:solidFill>
+              </a:rPr>
+              <a:t>– </a:t>
+            </a:r>
+            <a:r>
+              <a:rPr lang="ko-KR" altLang="en-US" sz="3200" dirty="0">
+                <a:solidFill>
+                  <a:schemeClr val="tx1">
+                    <a:lumMod val="75000"/>
+                    <a:lumOff val="25000"/>
+                  </a:schemeClr>
+                </a:solidFill>
+              </a:rPr>
+              <a:t>처음화면</a:t>
+            </a:r>
+            <a:r>
+              <a:rPr lang="en-US" altLang="ko-KR" sz="3200" dirty="0">
+                <a:solidFill>
+                  <a:schemeClr val="tx1">
+                    <a:lumMod val="75000"/>
+                    <a:lumOff val="25000"/>
+                  </a:schemeClr>
+                </a:solidFill>
+              </a:rPr>
+              <a:t>, </a:t>
+            </a:r>
+            <a:r>
+              <a:rPr lang="ko-KR" altLang="en-US" sz="3200" dirty="0">
+                <a:solidFill>
+                  <a:schemeClr val="tx1">
+                    <a:lumMod val="75000"/>
+                    <a:lumOff val="25000"/>
+                  </a:schemeClr>
+                </a:solidFill>
+              </a:rPr>
+              <a:t>로그인 후</a:t>
+            </a:r>
+          </a:p>
+        </p:txBody>
+      </p:sp>
+      <p:pic>
+        <p:nvPicPr>
+          <p:cNvPr id="3" name="그림 2">
+            <a:extLst>
+              <a:ext uri="{FF2B5EF4-FFF2-40B4-BE49-F238E27FC236}">
+                <a16:creationId xmlns:a16="http://schemas.microsoft.com/office/drawing/2014/main" id="{1878D8B5-A6A5-4E6B-EF34-EE1C9CA23584}"/>
+              </a:ext>
+            </a:extLst>
+          </p:cNvPr>
+          <p:cNvPicPr>
+            <a:picLocks noChangeAspect="1"/>
+          </p:cNvPicPr>
+          <p:nvPr/>
+        </p:nvPicPr>
+        <p:blipFill>
+          <a:blip r:embed="rId2">
+            <a:extLst>
+              <a:ext uri="{28A0092B-C50C-407E-A947-70E740481C1C}">
+                <a14:useLocalDpi xmlns:a14="http://schemas.microsoft.com/office/drawing/2010/main" val="0"/>
+              </a:ext>
+            </a:extLst>
+          </a:blip>
+          <a:stretch>
+            <a:fillRect/>
+          </a:stretch>
+        </p:blipFill>
+        <p:spPr>
+          <a:xfrm>
+            <a:off x="712266" y="1890962"/>
+            <a:ext cx="5054050" cy="3678079"/>
+          </a:xfrm>
+          <a:prstGeom prst="rect">
+            <a:avLst/>
+          </a:prstGeom>
+        </p:spPr>
+      </p:pic>
+      <p:pic>
+        <p:nvPicPr>
+          <p:cNvPr id="5" name="그림 4">
+            <a:extLst>
+              <a:ext uri="{FF2B5EF4-FFF2-40B4-BE49-F238E27FC236}">
+                <a16:creationId xmlns:a16="http://schemas.microsoft.com/office/drawing/2014/main" id="{982E9C0B-2124-393A-B26E-C6F1066D9DE9}"/>
+              </a:ext>
+            </a:extLst>
+          </p:cNvPr>
+          <p:cNvPicPr>
+            <a:picLocks noChangeAspect="1"/>
+          </p:cNvPicPr>
+          <p:nvPr/>
+        </p:nvPicPr>
+        <p:blipFill>
+          <a:blip r:embed="rId3">
+            <a:extLst>
+              <a:ext uri="{28A0092B-C50C-407E-A947-70E740481C1C}">
+                <a14:useLocalDpi xmlns:a14="http://schemas.microsoft.com/office/drawing/2010/main" val="0"/>
+              </a:ext>
+            </a:extLst>
+          </a:blip>
+          <a:stretch>
+            <a:fillRect/>
+          </a:stretch>
+        </p:blipFill>
+        <p:spPr>
+          <a:xfrm>
+            <a:off x="7213806" y="1237963"/>
+            <a:ext cx="3642676" cy="5296359"/>
+          </a:xfrm>
+          <a:prstGeom prst="rect">
+            <a:avLst/>
+          </a:prstGeom>
+        </p:spPr>
+      </p:pic>
+    </p:spTree>
+    <p:extLst>
+      <p:ext uri="{BB962C8B-B14F-4D97-AF65-F5344CB8AC3E}">
+        <p14:creationId xmlns:p14="http://schemas.microsoft.com/office/powerpoint/2010/main" val="430529724"/>
+      </p:ext>
+    </p:extLst>
+  </p:cSld>
+  <p:clrMapOvr>
+    <a:masterClrMapping/>
+  </p:clrMapOvr>
+  <mc:AlternateContent xmlns:mc="http://schemas.openxmlformats.org/markup-compatibility/2006" xmlns:p159="http://schemas.microsoft.com/office/powerpoint/2015/09/main">
+    <mc:Choice Requires="p159">
+      <p:transition xmlns:p14="http://schemas.microsoft.com/office/powerpoint/2010/main" spd="slow" p14:dur="2000">
+        <p159:morph option="byObject"/>
+      </p:transition>
+    </mc:Choice>
+    <mc:Fallback xmlns="">
+      <p:transition spd="slow">
+        <p:fade/>
+      </p:transition>
+    </mc:Fallback>
+  </mc:AlternateContent>
+  <p:timing>
+    <p:tnLst>
+      <p:par>
+        <p:cTn id="1" dur="indefinite" restart="never" nodeType="tmRoot"/>
+      </p:par>
+    </p:tnLst>
+  </p:timing>
+</p:sld>
+</file>
+
+<file path=ppt/slides/slide6.xml><?xml version="1.0" encoding="utf-8"?>
+<p:sld xmlns:a="http://schemas.openxmlformats.org/drawingml/2006/main" xmlns:r="http://schemas.openxmlformats.org/officeDocument/2006/relationships" xmlns:p="http://schemas.openxmlformats.org/presentationml/2006/main">
+  <p:cSld>
+    <p:spTree>
+      <p:nvGrpSpPr>
+        <p:cNvPr id="1" name=""/>
+        <p:cNvGrpSpPr/>
+        <p:nvPr/>
+      </p:nvGrpSpPr>
+      <p:grpSpPr>
+        <a:xfrm>
+          <a:off x="0" y="0"/>
+          <a:ext cx="0" cy="0"/>
+          <a:chOff x="0" y="0"/>
+          <a:chExt cx="0" cy="0"/>
+        </a:xfrm>
+      </p:grpSpPr>
+      <p:sp>
+        <p:nvSpPr>
+          <p:cNvPr id="14" name="직사각형 13">
+            <a:extLst>
+              <a:ext uri="{FF2B5EF4-FFF2-40B4-BE49-F238E27FC236}">
+                <a16:creationId xmlns:a16="http://schemas.microsoft.com/office/drawing/2014/main" id="{C0D8D0DE-9976-424B-BBE5-B069DF94649C}"/>
+              </a:ext>
+            </a:extLst>
+          </p:cNvPr>
+          <p:cNvSpPr/>
+          <p:nvPr/>
+        </p:nvSpPr>
+        <p:spPr>
+          <a:xfrm>
+            <a:off x="0" y="0"/>
+            <a:ext cx="12192000" cy="127000"/>
+          </a:xfrm>
+          <a:prstGeom prst="rect">
+            <a:avLst/>
+          </a:prstGeom>
+          <a:solidFill>
+            <a:schemeClr val="accent2"/>
+          </a:solidFill>
+          <a:ln>
+            <a:noFill/>
+          </a:ln>
+        </p:spPr>
+        <p:style>
+          <a:lnRef idx="2">
+            <a:schemeClr val="accent1">
+              <a:shade val="50000"/>
+            </a:schemeClr>
+          </a:lnRef>
+          <a:fillRef idx="1">
+            <a:schemeClr val="accent1"/>
+          </a:fillRef>
+          <a:effectRef idx="0">
+            <a:schemeClr val="accent1"/>
+          </a:effectRef>
+          <a:fontRef idx="minor">
+            <a:schemeClr val="lt1"/>
+          </a:fontRef>
+        </p:style>
+        <p:txBody>
+          <a:bodyPr rtlCol="0" anchor="ctr"/>
+          <a:lstStyle/>
+          <a:p>
+            <a:pPr algn="ctr"/>
+            <a:endParaRPr lang="ko-KR" altLang="en-US"/>
+          </a:p>
+        </p:txBody>
+      </p:sp>
+      <p:cxnSp>
+        <p:nvCxnSpPr>
+          <p:cNvPr id="15" name="직선 연결선 14">
+            <a:extLst>
+              <a:ext uri="{FF2B5EF4-FFF2-40B4-BE49-F238E27FC236}">
+                <a16:creationId xmlns:a16="http://schemas.microsoft.com/office/drawing/2014/main" id="{74D3DE46-63F8-4BCC-8069-25C00E33488B}"/>
+              </a:ext>
+            </a:extLst>
+          </p:cNvPr>
+          <p:cNvCxnSpPr>
+            <a:cxnSpLocks/>
+          </p:cNvCxnSpPr>
+          <p:nvPr/>
+        </p:nvCxnSpPr>
+        <p:spPr>
+          <a:xfrm>
+            <a:off x="-152400" y="1054100"/>
+            <a:ext cx="12344400" cy="0"/>
+          </a:xfrm>
+          <a:prstGeom prst="line">
+            <a:avLst/>
+          </a:prstGeom>
+          <a:ln>
+            <a:solidFill>
+              <a:schemeClr val="accent3"/>
+            </a:solidFill>
+          </a:ln>
+        </p:spPr>
+        <p:style>
+          <a:lnRef idx="1">
+            <a:schemeClr val="accent1"/>
+          </a:lnRef>
+          <a:fillRef idx="0">
+            <a:schemeClr val="accent1"/>
+          </a:fillRef>
+          <a:effectRef idx="0">
+            <a:schemeClr val="accent1"/>
+          </a:effectRef>
+          <a:fontRef idx="minor">
+            <a:schemeClr val="tx1"/>
+          </a:fontRef>
+        </p:style>
+      </p:cxnSp>
+      <p:sp>
+        <p:nvSpPr>
+          <p:cNvPr id="16" name="TextBox 15">
+            <a:extLst>
+              <a:ext uri="{FF2B5EF4-FFF2-40B4-BE49-F238E27FC236}">
+                <a16:creationId xmlns:a16="http://schemas.microsoft.com/office/drawing/2014/main" id="{25F6FC0B-D5E0-4E2F-8315-4433F3BB5B19}"/>
+              </a:ext>
+            </a:extLst>
+          </p:cNvPr>
+          <p:cNvSpPr txBox="1"/>
+          <p:nvPr/>
+        </p:nvSpPr>
+        <p:spPr>
+          <a:xfrm>
+            <a:off x="863600" y="285462"/>
+            <a:ext cx="9004388" cy="584775"/>
+          </a:xfrm>
+          <a:prstGeom prst="rect">
+            <a:avLst/>
+          </a:prstGeom>
+          <a:noFill/>
+        </p:spPr>
+        <p:txBody>
+          <a:bodyPr wrap="none" rtlCol="0">
+            <a:spAutoFit/>
+          </a:bodyPr>
+          <a:lstStyle/>
+          <a:p>
+            <a:r>
+              <a:rPr lang="ko-KR" altLang="en-US" sz="3200" dirty="0">
+                <a:solidFill>
+                  <a:schemeClr val="tx1">
+                    <a:lumMod val="75000"/>
+                    <a:lumOff val="25000"/>
+                  </a:schemeClr>
+                </a:solidFill>
+              </a:rPr>
+              <a:t>인터페이스 구상 </a:t>
+            </a:r>
+            <a:r>
+              <a:rPr lang="en-US" altLang="ko-KR" sz="3200" dirty="0">
+                <a:solidFill>
+                  <a:schemeClr val="tx1">
+                    <a:lumMod val="75000"/>
+                    <a:lumOff val="25000"/>
+                  </a:schemeClr>
+                </a:solidFill>
+              </a:rPr>
+              <a:t>– </a:t>
+            </a:r>
+            <a:r>
+              <a:rPr lang="ko-KR" altLang="en-US" sz="3200" dirty="0">
+                <a:solidFill>
+                  <a:schemeClr val="tx1">
+                    <a:lumMod val="75000"/>
+                    <a:lumOff val="25000"/>
+                  </a:schemeClr>
+                </a:solidFill>
+              </a:rPr>
+              <a:t>글쓰기 및 </a:t>
+            </a:r>
+            <a:r>
+              <a:rPr lang="ko-KR" altLang="en-US" sz="3200" dirty="0" smtClean="0">
+                <a:solidFill>
+                  <a:schemeClr val="tx1">
+                    <a:lumMod val="75000"/>
+                    <a:lumOff val="25000"/>
+                  </a:schemeClr>
+                </a:solidFill>
+              </a:rPr>
+              <a:t>내 정보</a:t>
+            </a:r>
+            <a:r>
+              <a:rPr lang="en-US" altLang="ko-KR" sz="3200" dirty="0" smtClean="0">
+                <a:solidFill>
+                  <a:schemeClr val="tx1">
+                    <a:lumMod val="75000"/>
+                    <a:lumOff val="25000"/>
+                  </a:schemeClr>
+                </a:solidFill>
+              </a:rPr>
+              <a:t>, </a:t>
+            </a:r>
+            <a:r>
+              <a:rPr lang="ko-KR" altLang="en-US" sz="3200" dirty="0" smtClean="0">
+                <a:solidFill>
+                  <a:schemeClr val="tx1">
+                    <a:lumMod val="75000"/>
+                    <a:lumOff val="25000"/>
+                  </a:schemeClr>
+                </a:solidFill>
+              </a:rPr>
+              <a:t>주변 보기</a:t>
+            </a:r>
+            <a:endParaRPr lang="ko-KR" altLang="en-US" sz="3200" dirty="0">
+              <a:solidFill>
+                <a:schemeClr val="tx1">
+                  <a:lumMod val="75000"/>
+                  <a:lumOff val="25000"/>
+                </a:schemeClr>
+              </a:solidFill>
+            </a:endParaRPr>
+          </a:p>
+        </p:txBody>
+      </p:sp>
+      <p:pic>
+        <p:nvPicPr>
+          <p:cNvPr id="3" name="그림 2">
+            <a:extLst>
+              <a:ext uri="{FF2B5EF4-FFF2-40B4-BE49-F238E27FC236}">
+                <a16:creationId xmlns:a16="http://schemas.microsoft.com/office/drawing/2014/main" id="{61F68802-9114-4430-ED86-D42DE9B393A6}"/>
+              </a:ext>
+            </a:extLst>
+          </p:cNvPr>
+          <p:cNvPicPr>
+            <a:picLocks noChangeAspect="1"/>
+          </p:cNvPicPr>
+          <p:nvPr/>
+        </p:nvPicPr>
+        <p:blipFill>
+          <a:blip r:embed="rId2">
+            <a:extLst>
+              <a:ext uri="{28A0092B-C50C-407E-A947-70E740481C1C}">
+                <a14:useLocalDpi xmlns:a14="http://schemas.microsoft.com/office/drawing/2010/main" val="0"/>
+              </a:ext>
+            </a:extLst>
+          </a:blip>
+          <a:stretch>
+            <a:fillRect/>
+          </a:stretch>
+        </p:blipFill>
+        <p:spPr>
+          <a:xfrm>
+            <a:off x="182770" y="1237964"/>
+            <a:ext cx="3685403" cy="4949582"/>
+          </a:xfrm>
+          <a:prstGeom prst="rect">
+            <a:avLst/>
+          </a:prstGeom>
+        </p:spPr>
+      </p:pic>
+      <p:pic>
+        <p:nvPicPr>
+          <p:cNvPr id="5" name="그림 4">
+            <a:extLst>
+              <a:ext uri="{FF2B5EF4-FFF2-40B4-BE49-F238E27FC236}">
+                <a16:creationId xmlns:a16="http://schemas.microsoft.com/office/drawing/2014/main" id="{7204C4D9-08FD-E149-0F9E-FAE84A340F61}"/>
+              </a:ext>
+            </a:extLst>
+          </p:cNvPr>
+          <p:cNvPicPr>
+            <a:picLocks noChangeAspect="1"/>
+          </p:cNvPicPr>
+          <p:nvPr/>
+        </p:nvPicPr>
+        <p:blipFill>
+          <a:blip r:embed="rId3">
+            <a:extLst>
+              <a:ext uri="{28A0092B-C50C-407E-A947-70E740481C1C}">
+                <a14:useLocalDpi xmlns:a14="http://schemas.microsoft.com/office/drawing/2010/main" val="0"/>
+              </a:ext>
+            </a:extLst>
+          </a:blip>
+          <a:stretch>
+            <a:fillRect/>
+          </a:stretch>
+        </p:blipFill>
+        <p:spPr>
+          <a:xfrm>
+            <a:off x="4003672" y="1237964"/>
+            <a:ext cx="3490262" cy="4823878"/>
+          </a:xfrm>
+          <a:prstGeom prst="rect">
+            <a:avLst/>
+          </a:prstGeom>
+        </p:spPr>
+      </p:pic>
+      <p:pic>
+        <p:nvPicPr>
+          <p:cNvPr id="7" name="그림 6"/>
+          <p:cNvPicPr>
+            <a:picLocks noChangeAspect="1"/>
+          </p:cNvPicPr>
+          <p:nvPr/>
+        </p:nvPicPr>
+        <p:blipFill>
+          <a:blip r:embed="rId4"/>
+          <a:stretch>
+            <a:fillRect/>
+          </a:stretch>
+        </p:blipFill>
+        <p:spPr>
+          <a:xfrm>
+            <a:off x="7764931" y="1634364"/>
+            <a:ext cx="4365177" cy="4560899"/>
+          </a:xfrm>
+          <a:prstGeom prst="rect">
+            <a:avLst/>
+          </a:prstGeom>
+        </p:spPr>
+      </p:pic>
+    </p:spTree>
+    <p:extLst>
+      <p:ext uri="{BB962C8B-B14F-4D97-AF65-F5344CB8AC3E}">
+        <p14:creationId xmlns:p14="http://schemas.microsoft.com/office/powerpoint/2010/main" val="4231016042"/>
+      </p:ext>
+    </p:extLst>
+  </p:cSld>
+  <p:clrMapOvr>
+    <a:masterClrMapping/>
+  </p:clrMapOvr>
+  <mc:AlternateContent xmlns:mc="http://schemas.openxmlformats.org/markup-compatibility/2006" xmlns:p159="http://schemas.microsoft.com/office/powerpoint/2015/09/main">
+    <mc:Choice Requires="p159">
+      <p:transition xmlns:p14="http://schemas.microsoft.com/office/powerpoint/2010/main" spd="slow" p14:dur="2000">
+        <p159:morph option="byObject"/>
+      </p:transition>
+    </mc:Choice>
+    <mc:Fallback xmlns="">
+      <p:transition spd="slow">
+        <p:fade/>
+      </p:transition>
+    </mc:Fallback>
+  </mc:AlternateContent>
+  <p:timing>
+    <p:tnLst>
+      <p:par>
+        <p:cTn id="1" dur="indefinite" restart="never" nodeType="tmRoot"/>
+      </p:par>
+    </p:tnLst>
+  </p:timing>
+</p:sld>
+</file>
+
+<file path=ppt/slides/slide7.xml><?xml version="1.0" encoding="utf-8"?>
+<p:sld xmlns:a="http://schemas.openxmlformats.org/drawingml/2006/main" xmlns:r="http://schemas.openxmlformats.org/officeDocument/2006/relationships" xmlns:p="http://schemas.openxmlformats.org/presentationml/2006/main">
+  <p:cSld>
+    <p:spTree>
+      <p:nvGrpSpPr>
+        <p:cNvPr id="1" name=""/>
+        <p:cNvGrpSpPr/>
+        <p:nvPr/>
+      </p:nvGrpSpPr>
+      <p:grpSpPr>
+        <a:xfrm>
+          <a:off x="0" y="0"/>
+          <a:ext cx="0" cy="0"/>
+          <a:chOff x="0" y="0"/>
+          <a:chExt cx="0" cy="0"/>
+        </a:xfrm>
+      </p:grpSpPr>
+      <p:sp>
+        <p:nvSpPr>
+          <p:cNvPr id="14" name="직사각형 13">
+            <a:extLst>
+              <a:ext uri="{FF2B5EF4-FFF2-40B4-BE49-F238E27FC236}">
+                <a16:creationId xmlns:a16="http://schemas.microsoft.com/office/drawing/2014/main" id="{C0D8D0DE-9976-424B-BBE5-B069DF94649C}"/>
+              </a:ext>
+            </a:extLst>
+          </p:cNvPr>
+          <p:cNvSpPr/>
+          <p:nvPr/>
+        </p:nvSpPr>
+        <p:spPr>
+          <a:xfrm>
+            <a:off x="0" y="0"/>
+            <a:ext cx="12192000" cy="127000"/>
+          </a:xfrm>
+          <a:prstGeom prst="rect">
+            <a:avLst/>
+          </a:prstGeom>
+          <a:solidFill>
+            <a:schemeClr val="accent2"/>
+          </a:solidFill>
+          <a:ln>
+            <a:noFill/>
+          </a:ln>
+        </p:spPr>
+        <p:style>
+          <a:lnRef idx="2">
+            <a:schemeClr val="accent1">
+              <a:shade val="50000"/>
+            </a:schemeClr>
+          </a:lnRef>
+          <a:fillRef idx="1">
+            <a:schemeClr val="accent1"/>
+          </a:fillRef>
+          <a:effectRef idx="0">
+            <a:schemeClr val="accent1"/>
+          </a:effectRef>
+          <a:fontRef idx="minor">
+            <a:schemeClr val="lt1"/>
+          </a:fontRef>
+        </p:style>
+        <p:txBody>
+          <a:bodyPr rtlCol="0" anchor="ctr"/>
+          <a:lstStyle/>
+          <a:p>
+            <a:pPr algn="ctr"/>
+            <a:endParaRPr lang="ko-KR" altLang="en-US"/>
+          </a:p>
+        </p:txBody>
+      </p:sp>
+      <p:cxnSp>
+        <p:nvCxnSpPr>
+          <p:cNvPr id="15" name="직선 연결선 14">
+            <a:extLst>
+              <a:ext uri="{FF2B5EF4-FFF2-40B4-BE49-F238E27FC236}">
+                <a16:creationId xmlns:a16="http://schemas.microsoft.com/office/drawing/2014/main" id="{74D3DE46-63F8-4BCC-8069-25C00E33488B}"/>
+              </a:ext>
+            </a:extLst>
+          </p:cNvPr>
+          <p:cNvCxnSpPr>
+            <a:cxnSpLocks/>
+          </p:cNvCxnSpPr>
+          <p:nvPr/>
+        </p:nvCxnSpPr>
+        <p:spPr>
+          <a:xfrm>
+            <a:off x="-152400" y="1054100"/>
+            <a:ext cx="12344400" cy="0"/>
+          </a:xfrm>
+          <a:prstGeom prst="line">
+            <a:avLst/>
+          </a:prstGeom>
+          <a:ln>
+            <a:solidFill>
+              <a:schemeClr val="accent3"/>
+            </a:solidFill>
+          </a:ln>
+        </p:spPr>
+        <p:style>
+          <a:lnRef idx="1">
+            <a:schemeClr val="accent1"/>
+          </a:lnRef>
+          <a:fillRef idx="0">
+            <a:schemeClr val="accent1"/>
+          </a:fillRef>
+          <a:effectRef idx="0">
+            <a:schemeClr val="accent1"/>
+          </a:effectRef>
+          <a:fontRef idx="minor">
+            <a:schemeClr val="tx1"/>
+          </a:fontRef>
+        </p:style>
+      </p:cxnSp>
+      <p:sp>
+        <p:nvSpPr>
+          <p:cNvPr id="16" name="TextBox 15">
+            <a:extLst>
+              <a:ext uri="{FF2B5EF4-FFF2-40B4-BE49-F238E27FC236}">
+                <a16:creationId xmlns:a16="http://schemas.microsoft.com/office/drawing/2014/main" id="{25F6FC0B-D5E0-4E2F-8315-4433F3BB5B19}"/>
+              </a:ext>
+            </a:extLst>
+          </p:cNvPr>
+          <p:cNvSpPr txBox="1"/>
+          <p:nvPr/>
+        </p:nvSpPr>
+        <p:spPr>
+          <a:xfrm>
+            <a:off x="863600" y="285462"/>
+            <a:ext cx="6173485" cy="584775"/>
+          </a:xfrm>
+          <a:prstGeom prst="rect">
+            <a:avLst/>
+          </a:prstGeom>
+          <a:noFill/>
+        </p:spPr>
+        <p:txBody>
+          <a:bodyPr wrap="none" rtlCol="0">
+            <a:spAutoFit/>
+          </a:bodyPr>
+          <a:lstStyle/>
+          <a:p>
+            <a:r>
+              <a:rPr lang="ko-KR" altLang="en-US" sz="3200" dirty="0">
+                <a:solidFill>
+                  <a:schemeClr val="tx1">
+                    <a:lumMod val="75000"/>
+                    <a:lumOff val="25000"/>
+                  </a:schemeClr>
+                </a:solidFill>
+              </a:rPr>
+              <a:t>인터페이스 구상 </a:t>
+            </a:r>
+            <a:r>
+              <a:rPr lang="en-US" altLang="ko-KR" sz="3200" dirty="0">
+                <a:solidFill>
+                  <a:schemeClr val="tx1">
+                    <a:lumMod val="75000"/>
+                    <a:lumOff val="25000"/>
+                  </a:schemeClr>
+                </a:solidFill>
+              </a:rPr>
+              <a:t>– </a:t>
+            </a:r>
+            <a:r>
+              <a:rPr lang="ko-KR" altLang="en-US" sz="3200" dirty="0">
+                <a:solidFill>
+                  <a:schemeClr val="tx1">
+                    <a:lumMod val="75000"/>
+                    <a:lumOff val="25000"/>
+                  </a:schemeClr>
+                </a:solidFill>
+              </a:rPr>
+              <a:t>커뮤니티 기능</a:t>
+            </a:r>
+          </a:p>
+        </p:txBody>
+      </p:sp>
+      <p:pic>
+        <p:nvPicPr>
+          <p:cNvPr id="3" name="그림 2">
+            <a:extLst>
+              <a:ext uri="{FF2B5EF4-FFF2-40B4-BE49-F238E27FC236}">
+                <a16:creationId xmlns:a16="http://schemas.microsoft.com/office/drawing/2014/main" id="{F1889692-CE72-4320-394A-2047C1FBF0B5}"/>
+              </a:ext>
+            </a:extLst>
+          </p:cNvPr>
+          <p:cNvPicPr>
+            <a:picLocks noChangeAspect="1"/>
+          </p:cNvPicPr>
+          <p:nvPr/>
+        </p:nvPicPr>
+        <p:blipFill>
+          <a:blip r:embed="rId2">
+            <a:extLst>
+              <a:ext uri="{28A0092B-C50C-407E-A947-70E740481C1C}">
+                <a14:useLocalDpi xmlns:a14="http://schemas.microsoft.com/office/drawing/2010/main" val="0"/>
+              </a:ext>
+            </a:extLst>
+          </a:blip>
+          <a:stretch>
+            <a:fillRect/>
+          </a:stretch>
+        </p:blipFill>
+        <p:spPr>
+          <a:xfrm>
+            <a:off x="1226972" y="1412366"/>
+            <a:ext cx="3673158" cy="4854361"/>
+          </a:xfrm>
+          <a:prstGeom prst="rect">
+            <a:avLst/>
+          </a:prstGeom>
+        </p:spPr>
+      </p:pic>
+      <p:pic>
+        <p:nvPicPr>
+          <p:cNvPr id="5" name="그림 4">
+            <a:extLst>
+              <a:ext uri="{FF2B5EF4-FFF2-40B4-BE49-F238E27FC236}">
+                <a16:creationId xmlns:a16="http://schemas.microsoft.com/office/drawing/2014/main" id="{CFF72ADB-EB45-E245-1954-EF2E2F242B4C}"/>
+              </a:ext>
+            </a:extLst>
+          </p:cNvPr>
+          <p:cNvPicPr>
+            <a:picLocks noChangeAspect="1"/>
+          </p:cNvPicPr>
+          <p:nvPr/>
+        </p:nvPicPr>
+        <p:blipFill>
+          <a:blip r:embed="rId3">
+            <a:extLst>
+              <a:ext uri="{28A0092B-C50C-407E-A947-70E740481C1C}">
+                <a14:useLocalDpi xmlns:a14="http://schemas.microsoft.com/office/drawing/2010/main" val="0"/>
+              </a:ext>
+            </a:extLst>
+          </a:blip>
+          <a:stretch>
+            <a:fillRect/>
+          </a:stretch>
+        </p:blipFill>
+        <p:spPr>
+          <a:xfrm>
+            <a:off x="6497300" y="1635399"/>
+            <a:ext cx="3452159" cy="4168501"/>
+          </a:xfrm>
+          <a:prstGeom prst="rect">
+            <a:avLst/>
+          </a:prstGeom>
+        </p:spPr>
+      </p:pic>
+    </p:spTree>
+    <p:extLst>
+      <p:ext uri="{BB962C8B-B14F-4D97-AF65-F5344CB8AC3E}">
+        <p14:creationId xmlns:p14="http://schemas.microsoft.com/office/powerpoint/2010/main" val="371163883"/>
+      </p:ext>
+    </p:extLst>
+  </p:cSld>
+  <p:clrMapOvr>
+    <a:masterClrMapping/>
+  </p:clrMapOvr>
+  <mc:AlternateContent xmlns:mc="http://schemas.openxmlformats.org/markup-compatibility/2006" xmlns:p159="http://schemas.microsoft.com/office/powerpoint/2015/09/main">
+    <mc:Choice Requires="p159">
+      <p:transition xmlns:p14="http://schemas.microsoft.com/office/powerpoint/2010/main" spd="slow" p14:dur="2000">
+        <p159:morph option="byObject"/>
+      </p:transition>
+    </mc:Choice>
+    <mc:Fallback xmlns="">
+      <p:transition spd="slow">
+        <p:fade/>
+      </p:transition>
+    </mc:Fallback>
+  </mc:AlternateContent>
+  <p:timing>
+    <p:tnLst>
+      <p:par>
+        <p:cTn id="1" dur="indefinite" restart="never" nodeType="tmRoot"/>
+      </p:par>
+    </p:tnLst>
+  </p:timing>
+</p:sld>
+</file>
+
+<file path=ppt/slides/slide8.xml><?xml version="1.0" encoding="utf-8"?>
+<p:sld xmlns:a="http://schemas.openxmlformats.org/drawingml/2006/main" xmlns:r="http://schemas.openxmlformats.org/officeDocument/2006/relationships" xmlns:p="http://schemas.openxmlformats.org/presentationml/2006/main">
+  <p:cSld>
+    <p:spTree>
+      <p:nvGrpSpPr>
+        <p:cNvPr id="1" name=""/>
+        <p:cNvGrpSpPr/>
+        <p:nvPr/>
+      </p:nvGrpSpPr>
+      <p:grpSpPr>
+        <a:xfrm>
+          <a:off x="0" y="0"/>
+          <a:ext cx="0" cy="0"/>
+          <a:chOff x="0" y="0"/>
+          <a:chExt cx="0" cy="0"/>
+        </a:xfrm>
+      </p:grpSpPr>
+      <p:sp>
+        <p:nvSpPr>
+          <p:cNvPr id="14" name="직사각형 13">
+            <a:extLst>
+              <a:ext uri="{FF2B5EF4-FFF2-40B4-BE49-F238E27FC236}">
+                <a16:creationId xmlns:a16="http://schemas.microsoft.com/office/drawing/2014/main" id="{C0D8D0DE-9976-424B-BBE5-B069DF94649C}"/>
+              </a:ext>
+            </a:extLst>
+          </p:cNvPr>
+          <p:cNvSpPr/>
+          <p:nvPr/>
+        </p:nvSpPr>
+        <p:spPr>
+          <a:xfrm>
+            <a:off x="0" y="0"/>
+            <a:ext cx="12192000" cy="127000"/>
+          </a:xfrm>
+          <a:prstGeom prst="rect">
+            <a:avLst/>
+          </a:prstGeom>
+          <a:solidFill>
+            <a:schemeClr val="accent2"/>
+          </a:solidFill>
+          <a:ln>
+            <a:noFill/>
+          </a:ln>
+        </p:spPr>
+        <p:style>
+          <a:lnRef idx="2">
+            <a:schemeClr val="accent1">
+              <a:shade val="50000"/>
+            </a:schemeClr>
+          </a:lnRef>
+          <a:fillRef idx="1">
+            <a:schemeClr val="accent1"/>
+          </a:fillRef>
+          <a:effectRef idx="0">
+            <a:schemeClr val="accent1"/>
+          </a:effectRef>
+          <a:fontRef idx="minor">
+            <a:schemeClr val="lt1"/>
+          </a:fontRef>
+        </p:style>
+        <p:txBody>
+          <a:bodyPr rtlCol="0" anchor="ctr"/>
+          <a:lstStyle/>
+          <a:p>
+            <a:pPr algn="ctr"/>
+            <a:endParaRPr lang="ko-KR" altLang="en-US"/>
+          </a:p>
+        </p:txBody>
+      </p:sp>
+      <p:cxnSp>
+        <p:nvCxnSpPr>
+          <p:cNvPr id="15" name="직선 연결선 14">
+            <a:extLst>
+              <a:ext uri="{FF2B5EF4-FFF2-40B4-BE49-F238E27FC236}">
+                <a16:creationId xmlns:a16="http://schemas.microsoft.com/office/drawing/2014/main" id="{74D3DE46-63F8-4BCC-8069-25C00E33488B}"/>
+              </a:ext>
+            </a:extLst>
+          </p:cNvPr>
+          <p:cNvCxnSpPr>
+            <a:cxnSpLocks/>
+          </p:cNvCxnSpPr>
+          <p:nvPr/>
+        </p:nvCxnSpPr>
+        <p:spPr>
+          <a:xfrm>
+            <a:off x="-152400" y="1054100"/>
+            <a:ext cx="12344400" cy="0"/>
+          </a:xfrm>
+          <a:prstGeom prst="line">
+            <a:avLst/>
+          </a:prstGeom>
+          <a:ln>
+            <a:solidFill>
+              <a:schemeClr val="accent3"/>
+            </a:solidFill>
+          </a:ln>
+        </p:spPr>
+        <p:style>
+          <a:lnRef idx="1">
+            <a:schemeClr val="accent1"/>
+          </a:lnRef>
+          <a:fillRef idx="0">
+            <a:schemeClr val="accent1"/>
+          </a:fillRef>
+          <a:effectRef idx="0">
+            <a:schemeClr val="accent1"/>
+          </a:effectRef>
+          <a:fontRef idx="minor">
+            <a:schemeClr val="tx1"/>
+          </a:fontRef>
+        </p:style>
+      </p:cxnSp>
+      <p:sp>
+        <p:nvSpPr>
+          <p:cNvPr id="16" name="TextBox 15">
+            <a:extLst>
+              <a:ext uri="{FF2B5EF4-FFF2-40B4-BE49-F238E27FC236}">
+                <a16:creationId xmlns:a16="http://schemas.microsoft.com/office/drawing/2014/main" id="{25F6FC0B-D5E0-4E2F-8315-4433F3BB5B19}"/>
+              </a:ext>
+            </a:extLst>
+          </p:cNvPr>
+          <p:cNvSpPr txBox="1"/>
+          <p:nvPr/>
+        </p:nvSpPr>
+        <p:spPr>
+          <a:xfrm>
+            <a:off x="863600" y="285462"/>
+            <a:ext cx="9084538" cy="584775"/>
+          </a:xfrm>
+          <a:prstGeom prst="rect">
+            <a:avLst/>
+          </a:prstGeom>
+          <a:noFill/>
+        </p:spPr>
+        <p:txBody>
+          <a:bodyPr wrap="none" rtlCol="0">
+            <a:spAutoFit/>
+          </a:bodyPr>
+          <a:lstStyle/>
+          <a:p>
+            <a:r>
+              <a:rPr lang="ko-KR" altLang="en-US" sz="3200" dirty="0">
+                <a:solidFill>
+                  <a:schemeClr val="tx1">
+                    <a:lumMod val="75000"/>
+                    <a:lumOff val="25000"/>
+                  </a:schemeClr>
+                </a:solidFill>
+              </a:rPr>
+              <a:t>인터페이스 구상 </a:t>
+            </a:r>
+            <a:r>
+              <a:rPr lang="en-US" altLang="ko-KR" sz="3200" dirty="0">
+                <a:solidFill>
+                  <a:schemeClr val="tx1">
+                    <a:lumMod val="75000"/>
+                    <a:lumOff val="25000"/>
+                  </a:schemeClr>
+                </a:solidFill>
+              </a:rPr>
+              <a:t>– </a:t>
+            </a:r>
+            <a:r>
+              <a:rPr lang="ko-KR" altLang="en-US" sz="3200" dirty="0">
+                <a:solidFill>
+                  <a:schemeClr val="tx1">
+                    <a:lumMod val="75000"/>
+                    <a:lumOff val="25000"/>
+                  </a:schemeClr>
+                </a:solidFill>
+              </a:rPr>
+              <a:t>메인 및 커뮤니티 항목 클릭 시</a:t>
+            </a:r>
+          </a:p>
+        </p:txBody>
+      </p:sp>
+      <p:pic>
+        <p:nvPicPr>
+          <p:cNvPr id="3" name="그림 2">
+            <a:extLst>
+              <a:ext uri="{FF2B5EF4-FFF2-40B4-BE49-F238E27FC236}">
+                <a16:creationId xmlns:a16="http://schemas.microsoft.com/office/drawing/2014/main" id="{507FF7CF-C7B6-10FD-94C7-BA8193F0ABB7}"/>
+              </a:ext>
+            </a:extLst>
+          </p:cNvPr>
+          <p:cNvPicPr>
+            <a:picLocks noChangeAspect="1"/>
+          </p:cNvPicPr>
+          <p:nvPr/>
+        </p:nvPicPr>
+        <p:blipFill>
+          <a:blip r:embed="rId2" cstate="screen">
+            <a:extLst>
+              <a:ext uri="{28A0092B-C50C-407E-A947-70E740481C1C}">
+                <a14:useLocalDpi xmlns:a14="http://schemas.microsoft.com/office/drawing/2010/main" val="0"/>
+              </a:ext>
+            </a:extLst>
+          </a:blip>
+          <a:stretch>
+            <a:fillRect/>
+          </a:stretch>
+        </p:blipFill>
+        <p:spPr>
+          <a:xfrm>
+            <a:off x="8262604" y="1372454"/>
+            <a:ext cx="3603110" cy="4761900"/>
+          </a:xfrm>
+          <a:prstGeom prst="rect">
+            <a:avLst/>
+          </a:prstGeom>
+        </p:spPr>
+      </p:pic>
+      <p:pic>
+        <p:nvPicPr>
+          <p:cNvPr id="5" name="그림 4">
+            <a:extLst>
+              <a:ext uri="{FF2B5EF4-FFF2-40B4-BE49-F238E27FC236}">
+                <a16:creationId xmlns:a16="http://schemas.microsoft.com/office/drawing/2014/main" id="{A5DE3972-1A24-05F8-E782-45B1C58C0269}"/>
+              </a:ext>
+            </a:extLst>
+          </p:cNvPr>
+          <p:cNvPicPr>
+            <a:picLocks noChangeAspect="1"/>
+          </p:cNvPicPr>
+          <p:nvPr/>
+        </p:nvPicPr>
+        <p:blipFill>
+          <a:blip r:embed="rId3" cstate="screen">
+            <a:extLst>
+              <a:ext uri="{28A0092B-C50C-407E-A947-70E740481C1C}">
+                <a14:useLocalDpi xmlns:a14="http://schemas.microsoft.com/office/drawing/2010/main" val="0"/>
+              </a:ext>
+            </a:extLst>
+          </a:blip>
+          <a:stretch>
+            <a:fillRect/>
+          </a:stretch>
+        </p:blipFill>
+        <p:spPr>
+          <a:xfrm>
+            <a:off x="313185" y="1237964"/>
+            <a:ext cx="3603110" cy="4896390"/>
+          </a:xfrm>
+          <a:prstGeom prst="rect">
+            <a:avLst/>
+          </a:prstGeom>
+        </p:spPr>
+      </p:pic>
+      <p:pic>
+        <p:nvPicPr>
+          <p:cNvPr id="2" name="그림 1"/>
+          <p:cNvPicPr>
+            <a:picLocks noChangeAspect="1"/>
+          </p:cNvPicPr>
+          <p:nvPr/>
+        </p:nvPicPr>
+        <p:blipFill>
+          <a:blip r:embed="rId4"/>
+          <a:stretch>
+            <a:fillRect/>
+          </a:stretch>
+        </p:blipFill>
+        <p:spPr>
+          <a:xfrm>
+            <a:off x="4406931" y="1237964"/>
+            <a:ext cx="3281131" cy="4752490"/>
+          </a:xfrm>
+          <a:prstGeom prst="rect">
+            <a:avLst/>
+          </a:prstGeom>
+        </p:spPr>
+      </p:pic>
+    </p:spTree>
+    <p:extLst>
+      <p:ext uri="{BB962C8B-B14F-4D97-AF65-F5344CB8AC3E}">
+        <p14:creationId xmlns:p14="http://schemas.microsoft.com/office/powerpoint/2010/main" val="825206773"/>
+      </p:ext>
+    </p:extLst>
+  </p:cSld>
+  <p:clrMapOvr>
+    <a:masterClrMapping/>
+  </p:clrMapOvr>
+  <mc:AlternateContent xmlns:mc="http://schemas.openxmlformats.org/markup-compatibility/2006" xmlns:p159="http://schemas.microsoft.com/office/powerpoint/2015/09/main">
+    <mc:Choice Requires="p159">
+      <p:transition xmlns:p14="http://schemas.microsoft.com/office/powerpoint/2010/main" spd="slow" p14:dur="2000">
+        <p159:morph option="byObject"/>
+      </p:transition>
+    </mc:Choice>
+    <mc:Fallback xmlns="">
+      <p:transition spd="slow">
+        <p:fade/>
+      </p:transition>
+    </mc:Fallback>
+  </mc:AlternateContent>
+  <p:timing>
+    <p:tnLst>
+      <p:par>
+        <p:cTn id="1" dur="indefinite" restart="never" nodeType="tmRoot"/>
+      </p:par>
+    </p:tnLst>
+  </p:timing>
+</p:sld>
+</file>
+
+<file path=ppt/slides/slide9.xml><?xml version="1.0" encoding="utf-8"?>
+<p:sld xmlns:a="http://schemas.openxmlformats.org/drawingml/2006/main" xmlns:r="http://schemas.openxmlformats.org/officeDocument/2006/relationships" xmlns:p="http://schemas.openxmlformats.org/presentationml/2006/main">
+  <p:cSld>
+    <p:spTree>
+      <p:nvGrpSpPr>
+        <p:cNvPr id="1" name=""/>
+        <p:cNvGrpSpPr/>
+        <p:nvPr/>
+      </p:nvGrpSpPr>
+      <p:grpSpPr>
+        <a:xfrm>
+          <a:off x="0" y="0"/>
+          <a:ext cx="0" cy="0"/>
+          <a:chOff x="0" y="0"/>
+          <a:chExt cx="0" cy="0"/>
+        </a:xfrm>
+      </p:grpSpPr>
+      <p:sp>
+        <p:nvSpPr>
           <p:cNvPr id="21" name="직사각형 20">
             <a:extLst>
               <a:ext uri="{FF2B5EF4-FFF2-40B4-BE49-F238E27FC236}">
@@ -7855,1139 +9094,6 @@
       </p:par>
     </p:tnLst>
   </p:timing>
-</p:sld>
-</file>
-
-<file path=ppt/slides/slide6.xml><?xml version="1.0" encoding="utf-8"?>
-<p:sld xmlns:a="http://schemas.openxmlformats.org/drawingml/2006/main" xmlns:r="http://schemas.openxmlformats.org/officeDocument/2006/relationships" xmlns:p="http://schemas.openxmlformats.org/presentationml/2006/main">
-  <p:cSld>
-    <p:spTree>
-      <p:nvGrpSpPr>
-        <p:cNvPr id="1" name=""/>
-        <p:cNvGrpSpPr/>
-        <p:nvPr/>
-      </p:nvGrpSpPr>
-      <p:grpSpPr>
-        <a:xfrm>
-          <a:off x="0" y="0"/>
-          <a:ext cx="0" cy="0"/>
-          <a:chOff x="0" y="0"/>
-          <a:chExt cx="0" cy="0"/>
-        </a:xfrm>
-      </p:grpSpPr>
-      <p:sp>
-        <p:nvSpPr>
-          <p:cNvPr id="14" name="직사각형 13">
-            <a:extLst>
-              <a:ext uri="{FF2B5EF4-FFF2-40B4-BE49-F238E27FC236}">
-                <a16:creationId xmlns:a16="http://schemas.microsoft.com/office/drawing/2014/main" id="{C0D8D0DE-9976-424B-BBE5-B069DF94649C}"/>
-              </a:ext>
-            </a:extLst>
-          </p:cNvPr>
-          <p:cNvSpPr/>
-          <p:nvPr/>
-        </p:nvSpPr>
-        <p:spPr>
-          <a:xfrm>
-            <a:off x="0" y="0"/>
-            <a:ext cx="12192000" cy="127000"/>
-          </a:xfrm>
-          <a:prstGeom prst="rect">
-            <a:avLst/>
-          </a:prstGeom>
-          <a:solidFill>
-            <a:schemeClr val="accent2"/>
-          </a:solidFill>
-          <a:ln>
-            <a:noFill/>
-          </a:ln>
-        </p:spPr>
-        <p:style>
-          <a:lnRef idx="2">
-            <a:schemeClr val="accent1">
-              <a:shade val="50000"/>
-            </a:schemeClr>
-          </a:lnRef>
-          <a:fillRef idx="1">
-            <a:schemeClr val="accent1"/>
-          </a:fillRef>
-          <a:effectRef idx="0">
-            <a:schemeClr val="accent1"/>
-          </a:effectRef>
-          <a:fontRef idx="minor">
-            <a:schemeClr val="lt1"/>
-          </a:fontRef>
-        </p:style>
-        <p:txBody>
-          <a:bodyPr rtlCol="0" anchor="ctr"/>
-          <a:lstStyle/>
-          <a:p>
-            <a:pPr algn="ctr"/>
-            <a:endParaRPr lang="ko-KR" altLang="en-US"/>
-          </a:p>
-        </p:txBody>
-      </p:sp>
-      <p:cxnSp>
-        <p:nvCxnSpPr>
-          <p:cNvPr id="15" name="직선 연결선 14">
-            <a:extLst>
-              <a:ext uri="{FF2B5EF4-FFF2-40B4-BE49-F238E27FC236}">
-                <a16:creationId xmlns:a16="http://schemas.microsoft.com/office/drawing/2014/main" id="{74D3DE46-63F8-4BCC-8069-25C00E33488B}"/>
-              </a:ext>
-            </a:extLst>
-          </p:cNvPr>
-          <p:cNvCxnSpPr>
-            <a:cxnSpLocks/>
-          </p:cNvCxnSpPr>
-          <p:nvPr/>
-        </p:nvCxnSpPr>
-        <p:spPr>
-          <a:xfrm>
-            <a:off x="-152400" y="1054100"/>
-            <a:ext cx="12344400" cy="0"/>
-          </a:xfrm>
-          <a:prstGeom prst="line">
-            <a:avLst/>
-          </a:prstGeom>
-          <a:ln>
-            <a:solidFill>
-              <a:schemeClr val="accent3"/>
-            </a:solidFill>
-          </a:ln>
-        </p:spPr>
-        <p:style>
-          <a:lnRef idx="1">
-            <a:schemeClr val="accent1"/>
-          </a:lnRef>
-          <a:fillRef idx="0">
-            <a:schemeClr val="accent1"/>
-          </a:fillRef>
-          <a:effectRef idx="0">
-            <a:schemeClr val="accent1"/>
-          </a:effectRef>
-          <a:fontRef idx="minor">
-            <a:schemeClr val="tx1"/>
-          </a:fontRef>
-        </p:style>
-      </p:cxnSp>
-      <p:sp>
-        <p:nvSpPr>
-          <p:cNvPr id="16" name="TextBox 15">
-            <a:extLst>
-              <a:ext uri="{FF2B5EF4-FFF2-40B4-BE49-F238E27FC236}">
-                <a16:creationId xmlns:a16="http://schemas.microsoft.com/office/drawing/2014/main" id="{25F6FC0B-D5E0-4E2F-8315-4433F3BB5B19}"/>
-              </a:ext>
-            </a:extLst>
-          </p:cNvPr>
-          <p:cNvSpPr txBox="1"/>
-          <p:nvPr/>
-        </p:nvSpPr>
-        <p:spPr>
-          <a:xfrm>
-            <a:off x="863600" y="285462"/>
-            <a:ext cx="7209025" cy="584775"/>
-          </a:xfrm>
-          <a:prstGeom prst="rect">
-            <a:avLst/>
-          </a:prstGeom>
-          <a:noFill/>
-        </p:spPr>
-        <p:txBody>
-          <a:bodyPr wrap="none" rtlCol="0">
-            <a:spAutoFit/>
-          </a:bodyPr>
-          <a:lstStyle/>
-          <a:p>
-            <a:r>
-              <a:rPr lang="ko-KR" altLang="en-US" sz="3200" dirty="0">
-                <a:solidFill>
-                  <a:schemeClr val="tx1">
-                    <a:lumMod val="75000"/>
-                    <a:lumOff val="25000"/>
-                  </a:schemeClr>
-                </a:solidFill>
-              </a:rPr>
-              <a:t>인터페이스 구상 </a:t>
-            </a:r>
-            <a:r>
-              <a:rPr lang="en-US" altLang="ko-KR" sz="3200" dirty="0">
-                <a:solidFill>
-                  <a:schemeClr val="tx1">
-                    <a:lumMod val="75000"/>
-                    <a:lumOff val="25000"/>
-                  </a:schemeClr>
-                </a:solidFill>
-              </a:rPr>
-              <a:t>– </a:t>
-            </a:r>
-            <a:r>
-              <a:rPr lang="ko-KR" altLang="en-US" sz="3200" dirty="0">
-                <a:solidFill>
-                  <a:schemeClr val="tx1">
-                    <a:lumMod val="75000"/>
-                    <a:lumOff val="25000"/>
-                  </a:schemeClr>
-                </a:solidFill>
-              </a:rPr>
-              <a:t>처음화면</a:t>
-            </a:r>
-            <a:r>
-              <a:rPr lang="en-US" altLang="ko-KR" sz="3200" dirty="0">
-                <a:solidFill>
-                  <a:schemeClr val="tx1">
-                    <a:lumMod val="75000"/>
-                    <a:lumOff val="25000"/>
-                  </a:schemeClr>
-                </a:solidFill>
-              </a:rPr>
-              <a:t>, </a:t>
-            </a:r>
-            <a:r>
-              <a:rPr lang="ko-KR" altLang="en-US" sz="3200" dirty="0">
-                <a:solidFill>
-                  <a:schemeClr val="tx1">
-                    <a:lumMod val="75000"/>
-                    <a:lumOff val="25000"/>
-                  </a:schemeClr>
-                </a:solidFill>
-              </a:rPr>
-              <a:t>로그인 후</a:t>
-            </a:r>
-          </a:p>
-        </p:txBody>
-      </p:sp>
-      <p:pic>
-        <p:nvPicPr>
-          <p:cNvPr id="3" name="그림 2">
-            <a:extLst>
-              <a:ext uri="{FF2B5EF4-FFF2-40B4-BE49-F238E27FC236}">
-                <a16:creationId xmlns:a16="http://schemas.microsoft.com/office/drawing/2014/main" id="{1878D8B5-A6A5-4E6B-EF34-EE1C9CA23584}"/>
-              </a:ext>
-            </a:extLst>
-          </p:cNvPr>
-          <p:cNvPicPr>
-            <a:picLocks noChangeAspect="1"/>
-          </p:cNvPicPr>
-          <p:nvPr/>
-        </p:nvPicPr>
-        <p:blipFill>
-          <a:blip r:embed="rId2">
-            <a:extLst>
-              <a:ext uri="{28A0092B-C50C-407E-A947-70E740481C1C}">
-                <a14:useLocalDpi xmlns:a14="http://schemas.microsoft.com/office/drawing/2010/main" val="0"/>
-              </a:ext>
-            </a:extLst>
-          </a:blip>
-          <a:stretch>
-            <a:fillRect/>
-          </a:stretch>
-        </p:blipFill>
-        <p:spPr>
-          <a:xfrm>
-            <a:off x="712266" y="1890962"/>
-            <a:ext cx="5054050" cy="3678079"/>
-          </a:xfrm>
-          <a:prstGeom prst="rect">
-            <a:avLst/>
-          </a:prstGeom>
-        </p:spPr>
-      </p:pic>
-      <p:pic>
-        <p:nvPicPr>
-          <p:cNvPr id="5" name="그림 4">
-            <a:extLst>
-              <a:ext uri="{FF2B5EF4-FFF2-40B4-BE49-F238E27FC236}">
-                <a16:creationId xmlns:a16="http://schemas.microsoft.com/office/drawing/2014/main" id="{982E9C0B-2124-393A-B26E-C6F1066D9DE9}"/>
-              </a:ext>
-            </a:extLst>
-          </p:cNvPr>
-          <p:cNvPicPr>
-            <a:picLocks noChangeAspect="1"/>
-          </p:cNvPicPr>
-          <p:nvPr/>
-        </p:nvPicPr>
-        <p:blipFill>
-          <a:blip r:embed="rId3">
-            <a:extLst>
-              <a:ext uri="{28A0092B-C50C-407E-A947-70E740481C1C}">
-                <a14:useLocalDpi xmlns:a14="http://schemas.microsoft.com/office/drawing/2010/main" val="0"/>
-              </a:ext>
-            </a:extLst>
-          </a:blip>
-          <a:stretch>
-            <a:fillRect/>
-          </a:stretch>
-        </p:blipFill>
-        <p:spPr>
-          <a:xfrm>
-            <a:off x="7213806" y="1237963"/>
-            <a:ext cx="3642676" cy="5296359"/>
-          </a:xfrm>
-          <a:prstGeom prst="rect">
-            <a:avLst/>
-          </a:prstGeom>
-        </p:spPr>
-      </p:pic>
-    </p:spTree>
-    <p:extLst>
-      <p:ext uri="{BB962C8B-B14F-4D97-AF65-F5344CB8AC3E}">
-        <p14:creationId xmlns:p14="http://schemas.microsoft.com/office/powerpoint/2010/main" val="430529724"/>
-      </p:ext>
-    </p:extLst>
-  </p:cSld>
-  <p:clrMapOvr>
-    <a:masterClrMapping/>
-  </p:clrMapOvr>
-  <mc:AlternateContent xmlns:mc="http://schemas.openxmlformats.org/markup-compatibility/2006" xmlns:p159="http://schemas.microsoft.com/office/powerpoint/2015/09/main">
-    <mc:Choice Requires="p159">
-      <p:transition xmlns:p14="http://schemas.microsoft.com/office/powerpoint/2010/main" spd="slow" p14:dur="2000">
-        <p159:morph option="byObject"/>
-      </p:transition>
-    </mc:Choice>
-    <mc:Fallback xmlns="">
-      <p:transition spd="slow">
-        <p:fade/>
-      </p:transition>
-    </mc:Fallback>
-  </mc:AlternateContent>
-</p:sld>
-</file>
-
-<file path=ppt/slides/slide7.xml><?xml version="1.0" encoding="utf-8"?>
-<p:sld xmlns:a="http://schemas.openxmlformats.org/drawingml/2006/main" xmlns:r="http://schemas.openxmlformats.org/officeDocument/2006/relationships" xmlns:p="http://schemas.openxmlformats.org/presentationml/2006/main">
-  <p:cSld>
-    <p:spTree>
-      <p:nvGrpSpPr>
-        <p:cNvPr id="1" name=""/>
-        <p:cNvGrpSpPr/>
-        <p:nvPr/>
-      </p:nvGrpSpPr>
-      <p:grpSpPr>
-        <a:xfrm>
-          <a:off x="0" y="0"/>
-          <a:ext cx="0" cy="0"/>
-          <a:chOff x="0" y="0"/>
-          <a:chExt cx="0" cy="0"/>
-        </a:xfrm>
-      </p:grpSpPr>
-      <p:sp>
-        <p:nvSpPr>
-          <p:cNvPr id="14" name="직사각형 13">
-            <a:extLst>
-              <a:ext uri="{FF2B5EF4-FFF2-40B4-BE49-F238E27FC236}">
-                <a16:creationId xmlns:a16="http://schemas.microsoft.com/office/drawing/2014/main" id="{C0D8D0DE-9976-424B-BBE5-B069DF94649C}"/>
-              </a:ext>
-            </a:extLst>
-          </p:cNvPr>
-          <p:cNvSpPr/>
-          <p:nvPr/>
-        </p:nvSpPr>
-        <p:spPr>
-          <a:xfrm>
-            <a:off x="0" y="0"/>
-            <a:ext cx="12192000" cy="127000"/>
-          </a:xfrm>
-          <a:prstGeom prst="rect">
-            <a:avLst/>
-          </a:prstGeom>
-          <a:solidFill>
-            <a:schemeClr val="accent2"/>
-          </a:solidFill>
-          <a:ln>
-            <a:noFill/>
-          </a:ln>
-        </p:spPr>
-        <p:style>
-          <a:lnRef idx="2">
-            <a:schemeClr val="accent1">
-              <a:shade val="50000"/>
-            </a:schemeClr>
-          </a:lnRef>
-          <a:fillRef idx="1">
-            <a:schemeClr val="accent1"/>
-          </a:fillRef>
-          <a:effectRef idx="0">
-            <a:schemeClr val="accent1"/>
-          </a:effectRef>
-          <a:fontRef idx="minor">
-            <a:schemeClr val="lt1"/>
-          </a:fontRef>
-        </p:style>
-        <p:txBody>
-          <a:bodyPr rtlCol="0" anchor="ctr"/>
-          <a:lstStyle/>
-          <a:p>
-            <a:pPr algn="ctr"/>
-            <a:endParaRPr lang="ko-KR" altLang="en-US"/>
-          </a:p>
-        </p:txBody>
-      </p:sp>
-      <p:cxnSp>
-        <p:nvCxnSpPr>
-          <p:cNvPr id="15" name="직선 연결선 14">
-            <a:extLst>
-              <a:ext uri="{FF2B5EF4-FFF2-40B4-BE49-F238E27FC236}">
-                <a16:creationId xmlns:a16="http://schemas.microsoft.com/office/drawing/2014/main" id="{74D3DE46-63F8-4BCC-8069-25C00E33488B}"/>
-              </a:ext>
-            </a:extLst>
-          </p:cNvPr>
-          <p:cNvCxnSpPr>
-            <a:cxnSpLocks/>
-          </p:cNvCxnSpPr>
-          <p:nvPr/>
-        </p:nvCxnSpPr>
-        <p:spPr>
-          <a:xfrm>
-            <a:off x="-152400" y="1054100"/>
-            <a:ext cx="12344400" cy="0"/>
-          </a:xfrm>
-          <a:prstGeom prst="line">
-            <a:avLst/>
-          </a:prstGeom>
-          <a:ln>
-            <a:solidFill>
-              <a:schemeClr val="accent3"/>
-            </a:solidFill>
-          </a:ln>
-        </p:spPr>
-        <p:style>
-          <a:lnRef idx="1">
-            <a:schemeClr val="accent1"/>
-          </a:lnRef>
-          <a:fillRef idx="0">
-            <a:schemeClr val="accent1"/>
-          </a:fillRef>
-          <a:effectRef idx="0">
-            <a:schemeClr val="accent1"/>
-          </a:effectRef>
-          <a:fontRef idx="minor">
-            <a:schemeClr val="tx1"/>
-          </a:fontRef>
-        </p:style>
-      </p:cxnSp>
-      <p:sp>
-        <p:nvSpPr>
-          <p:cNvPr id="16" name="TextBox 15">
-            <a:extLst>
-              <a:ext uri="{FF2B5EF4-FFF2-40B4-BE49-F238E27FC236}">
-                <a16:creationId xmlns:a16="http://schemas.microsoft.com/office/drawing/2014/main" id="{25F6FC0B-D5E0-4E2F-8315-4433F3BB5B19}"/>
-              </a:ext>
-            </a:extLst>
-          </p:cNvPr>
-          <p:cNvSpPr txBox="1"/>
-          <p:nvPr/>
-        </p:nvSpPr>
-        <p:spPr>
-          <a:xfrm>
-            <a:off x="863600" y="285462"/>
-            <a:ext cx="6696064" cy="584775"/>
-          </a:xfrm>
-          <a:prstGeom prst="rect">
-            <a:avLst/>
-          </a:prstGeom>
-          <a:noFill/>
-        </p:spPr>
-        <p:txBody>
-          <a:bodyPr wrap="none" rtlCol="0">
-            <a:spAutoFit/>
-          </a:bodyPr>
-          <a:lstStyle/>
-          <a:p>
-            <a:r>
-              <a:rPr lang="ko-KR" altLang="en-US" sz="3200" dirty="0">
-                <a:solidFill>
-                  <a:schemeClr val="tx1">
-                    <a:lumMod val="75000"/>
-                    <a:lumOff val="25000"/>
-                  </a:schemeClr>
-                </a:solidFill>
-              </a:rPr>
-              <a:t>인터페이스 구상 </a:t>
-            </a:r>
-            <a:r>
-              <a:rPr lang="en-US" altLang="ko-KR" sz="3200" dirty="0">
-                <a:solidFill>
-                  <a:schemeClr val="tx1">
-                    <a:lumMod val="75000"/>
-                    <a:lumOff val="25000"/>
-                  </a:schemeClr>
-                </a:solidFill>
-              </a:rPr>
-              <a:t>– </a:t>
-            </a:r>
-            <a:r>
-              <a:rPr lang="ko-KR" altLang="en-US" sz="3200" dirty="0">
-                <a:solidFill>
-                  <a:schemeClr val="tx1">
-                    <a:lumMod val="75000"/>
-                    <a:lumOff val="25000"/>
-                  </a:schemeClr>
-                </a:solidFill>
-              </a:rPr>
-              <a:t>글쓰기 및 </a:t>
-            </a:r>
-            <a:r>
-              <a:rPr lang="ko-KR" altLang="en-US" sz="3200" dirty="0" err="1">
-                <a:solidFill>
-                  <a:schemeClr val="tx1">
-                    <a:lumMod val="75000"/>
-                    <a:lumOff val="25000"/>
-                  </a:schemeClr>
-                </a:solidFill>
-              </a:rPr>
-              <a:t>내정보</a:t>
-            </a:r>
-            <a:endParaRPr lang="ko-KR" altLang="en-US" sz="3200" dirty="0">
-              <a:solidFill>
-                <a:schemeClr val="tx1">
-                  <a:lumMod val="75000"/>
-                  <a:lumOff val="25000"/>
-                </a:schemeClr>
-              </a:solidFill>
-            </a:endParaRPr>
-          </a:p>
-        </p:txBody>
-      </p:sp>
-      <p:pic>
-        <p:nvPicPr>
-          <p:cNvPr id="3" name="그림 2">
-            <a:extLst>
-              <a:ext uri="{FF2B5EF4-FFF2-40B4-BE49-F238E27FC236}">
-                <a16:creationId xmlns:a16="http://schemas.microsoft.com/office/drawing/2014/main" id="{61F68802-9114-4430-ED86-D42DE9B393A6}"/>
-              </a:ext>
-            </a:extLst>
-          </p:cNvPr>
-          <p:cNvPicPr>
-            <a:picLocks noChangeAspect="1"/>
-          </p:cNvPicPr>
-          <p:nvPr/>
-        </p:nvPicPr>
-        <p:blipFill>
-          <a:blip r:embed="rId2">
-            <a:extLst>
-              <a:ext uri="{28A0092B-C50C-407E-A947-70E740481C1C}">
-                <a14:useLocalDpi xmlns:a14="http://schemas.microsoft.com/office/drawing/2010/main" val="0"/>
-              </a:ext>
-            </a:extLst>
-          </a:blip>
-          <a:stretch>
-            <a:fillRect/>
-          </a:stretch>
-        </p:blipFill>
-        <p:spPr>
-          <a:xfrm>
-            <a:off x="957461" y="1291420"/>
-            <a:ext cx="3932261" cy="5281118"/>
-          </a:xfrm>
-          <a:prstGeom prst="rect">
-            <a:avLst/>
-          </a:prstGeom>
-        </p:spPr>
-      </p:pic>
-      <p:pic>
-        <p:nvPicPr>
-          <p:cNvPr id="5" name="그림 4">
-            <a:extLst>
-              <a:ext uri="{FF2B5EF4-FFF2-40B4-BE49-F238E27FC236}">
-                <a16:creationId xmlns:a16="http://schemas.microsoft.com/office/drawing/2014/main" id="{7204C4D9-08FD-E149-0F9E-FAE84A340F61}"/>
-              </a:ext>
-            </a:extLst>
-          </p:cNvPr>
-          <p:cNvPicPr>
-            <a:picLocks noChangeAspect="1"/>
-          </p:cNvPicPr>
-          <p:nvPr/>
-        </p:nvPicPr>
-        <p:blipFill>
-          <a:blip r:embed="rId3">
-            <a:extLst>
-              <a:ext uri="{28A0092B-C50C-407E-A947-70E740481C1C}">
-                <a14:useLocalDpi xmlns:a14="http://schemas.microsoft.com/office/drawing/2010/main" val="0"/>
-              </a:ext>
-            </a:extLst>
-          </a:blip>
-          <a:stretch>
-            <a:fillRect/>
-          </a:stretch>
-        </p:blipFill>
-        <p:spPr>
-          <a:xfrm>
-            <a:off x="6646201" y="1245681"/>
-            <a:ext cx="3490262" cy="4823878"/>
-          </a:xfrm>
-          <a:prstGeom prst="rect">
-            <a:avLst/>
-          </a:prstGeom>
-        </p:spPr>
-      </p:pic>
-    </p:spTree>
-    <p:extLst>
-      <p:ext uri="{BB962C8B-B14F-4D97-AF65-F5344CB8AC3E}">
-        <p14:creationId xmlns:p14="http://schemas.microsoft.com/office/powerpoint/2010/main" val="4231016042"/>
-      </p:ext>
-    </p:extLst>
-  </p:cSld>
-  <p:clrMapOvr>
-    <a:masterClrMapping/>
-  </p:clrMapOvr>
-  <mc:AlternateContent xmlns:mc="http://schemas.openxmlformats.org/markup-compatibility/2006" xmlns:p159="http://schemas.microsoft.com/office/powerpoint/2015/09/main">
-    <mc:Choice Requires="p159">
-      <p:transition xmlns:p14="http://schemas.microsoft.com/office/powerpoint/2010/main" spd="slow" p14:dur="2000">
-        <p159:morph option="byObject"/>
-      </p:transition>
-    </mc:Choice>
-    <mc:Fallback xmlns="">
-      <p:transition spd="slow">
-        <p:fade/>
-      </p:transition>
-    </mc:Fallback>
-  </mc:AlternateContent>
-</p:sld>
-</file>
-
-<file path=ppt/slides/slide8.xml><?xml version="1.0" encoding="utf-8"?>
-<p:sld xmlns:a="http://schemas.openxmlformats.org/drawingml/2006/main" xmlns:r="http://schemas.openxmlformats.org/officeDocument/2006/relationships" xmlns:p="http://schemas.openxmlformats.org/presentationml/2006/main">
-  <p:cSld>
-    <p:spTree>
-      <p:nvGrpSpPr>
-        <p:cNvPr id="1" name=""/>
-        <p:cNvGrpSpPr/>
-        <p:nvPr/>
-      </p:nvGrpSpPr>
-      <p:grpSpPr>
-        <a:xfrm>
-          <a:off x="0" y="0"/>
-          <a:ext cx="0" cy="0"/>
-          <a:chOff x="0" y="0"/>
-          <a:chExt cx="0" cy="0"/>
-        </a:xfrm>
-      </p:grpSpPr>
-      <p:sp>
-        <p:nvSpPr>
-          <p:cNvPr id="14" name="직사각형 13">
-            <a:extLst>
-              <a:ext uri="{FF2B5EF4-FFF2-40B4-BE49-F238E27FC236}">
-                <a16:creationId xmlns:a16="http://schemas.microsoft.com/office/drawing/2014/main" id="{C0D8D0DE-9976-424B-BBE5-B069DF94649C}"/>
-              </a:ext>
-            </a:extLst>
-          </p:cNvPr>
-          <p:cNvSpPr/>
-          <p:nvPr/>
-        </p:nvSpPr>
-        <p:spPr>
-          <a:xfrm>
-            <a:off x="0" y="0"/>
-            <a:ext cx="12192000" cy="127000"/>
-          </a:xfrm>
-          <a:prstGeom prst="rect">
-            <a:avLst/>
-          </a:prstGeom>
-          <a:solidFill>
-            <a:schemeClr val="accent2"/>
-          </a:solidFill>
-          <a:ln>
-            <a:noFill/>
-          </a:ln>
-        </p:spPr>
-        <p:style>
-          <a:lnRef idx="2">
-            <a:schemeClr val="accent1">
-              <a:shade val="50000"/>
-            </a:schemeClr>
-          </a:lnRef>
-          <a:fillRef idx="1">
-            <a:schemeClr val="accent1"/>
-          </a:fillRef>
-          <a:effectRef idx="0">
-            <a:schemeClr val="accent1"/>
-          </a:effectRef>
-          <a:fontRef idx="minor">
-            <a:schemeClr val="lt1"/>
-          </a:fontRef>
-        </p:style>
-        <p:txBody>
-          <a:bodyPr rtlCol="0" anchor="ctr"/>
-          <a:lstStyle/>
-          <a:p>
-            <a:pPr algn="ctr"/>
-            <a:endParaRPr lang="ko-KR" altLang="en-US"/>
-          </a:p>
-        </p:txBody>
-      </p:sp>
-      <p:cxnSp>
-        <p:nvCxnSpPr>
-          <p:cNvPr id="15" name="직선 연결선 14">
-            <a:extLst>
-              <a:ext uri="{FF2B5EF4-FFF2-40B4-BE49-F238E27FC236}">
-                <a16:creationId xmlns:a16="http://schemas.microsoft.com/office/drawing/2014/main" id="{74D3DE46-63F8-4BCC-8069-25C00E33488B}"/>
-              </a:ext>
-            </a:extLst>
-          </p:cNvPr>
-          <p:cNvCxnSpPr>
-            <a:cxnSpLocks/>
-          </p:cNvCxnSpPr>
-          <p:nvPr/>
-        </p:nvCxnSpPr>
-        <p:spPr>
-          <a:xfrm>
-            <a:off x="-152400" y="1054100"/>
-            <a:ext cx="12344400" cy="0"/>
-          </a:xfrm>
-          <a:prstGeom prst="line">
-            <a:avLst/>
-          </a:prstGeom>
-          <a:ln>
-            <a:solidFill>
-              <a:schemeClr val="accent3"/>
-            </a:solidFill>
-          </a:ln>
-        </p:spPr>
-        <p:style>
-          <a:lnRef idx="1">
-            <a:schemeClr val="accent1"/>
-          </a:lnRef>
-          <a:fillRef idx="0">
-            <a:schemeClr val="accent1"/>
-          </a:fillRef>
-          <a:effectRef idx="0">
-            <a:schemeClr val="accent1"/>
-          </a:effectRef>
-          <a:fontRef idx="minor">
-            <a:schemeClr val="tx1"/>
-          </a:fontRef>
-        </p:style>
-      </p:cxnSp>
-      <p:sp>
-        <p:nvSpPr>
-          <p:cNvPr id="16" name="TextBox 15">
-            <a:extLst>
-              <a:ext uri="{FF2B5EF4-FFF2-40B4-BE49-F238E27FC236}">
-                <a16:creationId xmlns:a16="http://schemas.microsoft.com/office/drawing/2014/main" id="{25F6FC0B-D5E0-4E2F-8315-4433F3BB5B19}"/>
-              </a:ext>
-            </a:extLst>
-          </p:cNvPr>
-          <p:cNvSpPr txBox="1"/>
-          <p:nvPr/>
-        </p:nvSpPr>
-        <p:spPr>
-          <a:xfrm>
-            <a:off x="863600" y="285462"/>
-            <a:ext cx="6173485" cy="584775"/>
-          </a:xfrm>
-          <a:prstGeom prst="rect">
-            <a:avLst/>
-          </a:prstGeom>
-          <a:noFill/>
-        </p:spPr>
-        <p:txBody>
-          <a:bodyPr wrap="none" rtlCol="0">
-            <a:spAutoFit/>
-          </a:bodyPr>
-          <a:lstStyle/>
-          <a:p>
-            <a:r>
-              <a:rPr lang="ko-KR" altLang="en-US" sz="3200" dirty="0">
-                <a:solidFill>
-                  <a:schemeClr val="tx1">
-                    <a:lumMod val="75000"/>
-                    <a:lumOff val="25000"/>
-                  </a:schemeClr>
-                </a:solidFill>
-              </a:rPr>
-              <a:t>인터페이스 구상 </a:t>
-            </a:r>
-            <a:r>
-              <a:rPr lang="en-US" altLang="ko-KR" sz="3200" dirty="0">
-                <a:solidFill>
-                  <a:schemeClr val="tx1">
-                    <a:lumMod val="75000"/>
-                    <a:lumOff val="25000"/>
-                  </a:schemeClr>
-                </a:solidFill>
-              </a:rPr>
-              <a:t>– </a:t>
-            </a:r>
-            <a:r>
-              <a:rPr lang="ko-KR" altLang="en-US" sz="3200" dirty="0">
-                <a:solidFill>
-                  <a:schemeClr val="tx1">
-                    <a:lumMod val="75000"/>
-                    <a:lumOff val="25000"/>
-                  </a:schemeClr>
-                </a:solidFill>
-              </a:rPr>
-              <a:t>커뮤니티 기능</a:t>
-            </a:r>
-          </a:p>
-        </p:txBody>
-      </p:sp>
-      <p:pic>
-        <p:nvPicPr>
-          <p:cNvPr id="3" name="그림 2">
-            <a:extLst>
-              <a:ext uri="{FF2B5EF4-FFF2-40B4-BE49-F238E27FC236}">
-                <a16:creationId xmlns:a16="http://schemas.microsoft.com/office/drawing/2014/main" id="{F1889692-CE72-4320-394A-2047C1FBF0B5}"/>
-              </a:ext>
-            </a:extLst>
-          </p:cNvPr>
-          <p:cNvPicPr>
-            <a:picLocks noChangeAspect="1"/>
-          </p:cNvPicPr>
-          <p:nvPr/>
-        </p:nvPicPr>
-        <p:blipFill>
-          <a:blip r:embed="rId2">
-            <a:extLst>
-              <a:ext uri="{28A0092B-C50C-407E-A947-70E740481C1C}">
-                <a14:useLocalDpi xmlns:a14="http://schemas.microsoft.com/office/drawing/2010/main" val="0"/>
-              </a:ext>
-            </a:extLst>
-          </a:blip>
-          <a:stretch>
-            <a:fillRect/>
-          </a:stretch>
-        </p:blipFill>
-        <p:spPr>
-          <a:xfrm>
-            <a:off x="1226972" y="1412366"/>
-            <a:ext cx="3673158" cy="4854361"/>
-          </a:xfrm>
-          <a:prstGeom prst="rect">
-            <a:avLst/>
-          </a:prstGeom>
-        </p:spPr>
-      </p:pic>
-      <p:pic>
-        <p:nvPicPr>
-          <p:cNvPr id="5" name="그림 4">
-            <a:extLst>
-              <a:ext uri="{FF2B5EF4-FFF2-40B4-BE49-F238E27FC236}">
-                <a16:creationId xmlns:a16="http://schemas.microsoft.com/office/drawing/2014/main" id="{CFF72ADB-EB45-E245-1954-EF2E2F242B4C}"/>
-              </a:ext>
-            </a:extLst>
-          </p:cNvPr>
-          <p:cNvPicPr>
-            <a:picLocks noChangeAspect="1"/>
-          </p:cNvPicPr>
-          <p:nvPr/>
-        </p:nvPicPr>
-        <p:blipFill>
-          <a:blip r:embed="rId3">
-            <a:extLst>
-              <a:ext uri="{28A0092B-C50C-407E-A947-70E740481C1C}">
-                <a14:useLocalDpi xmlns:a14="http://schemas.microsoft.com/office/drawing/2010/main" val="0"/>
-              </a:ext>
-            </a:extLst>
-          </a:blip>
-          <a:stretch>
-            <a:fillRect/>
-          </a:stretch>
-        </p:blipFill>
-        <p:spPr>
-          <a:xfrm>
-            <a:off x="6497300" y="1635399"/>
-            <a:ext cx="3452159" cy="4168501"/>
-          </a:xfrm>
-          <a:prstGeom prst="rect">
-            <a:avLst/>
-          </a:prstGeom>
-        </p:spPr>
-      </p:pic>
-    </p:spTree>
-    <p:extLst>
-      <p:ext uri="{BB962C8B-B14F-4D97-AF65-F5344CB8AC3E}">
-        <p14:creationId xmlns:p14="http://schemas.microsoft.com/office/powerpoint/2010/main" val="371163883"/>
-      </p:ext>
-    </p:extLst>
-  </p:cSld>
-  <p:clrMapOvr>
-    <a:masterClrMapping/>
-  </p:clrMapOvr>
-  <mc:AlternateContent xmlns:mc="http://schemas.openxmlformats.org/markup-compatibility/2006" xmlns:p159="http://schemas.microsoft.com/office/powerpoint/2015/09/main">
-    <mc:Choice Requires="p159">
-      <p:transition xmlns:p14="http://schemas.microsoft.com/office/powerpoint/2010/main" spd="slow" p14:dur="2000">
-        <p159:morph option="byObject"/>
-      </p:transition>
-    </mc:Choice>
-    <mc:Fallback xmlns="">
-      <p:transition spd="slow">
-        <p:fade/>
-      </p:transition>
-    </mc:Fallback>
-  </mc:AlternateContent>
-</p:sld>
-</file>
-
-<file path=ppt/slides/slide9.xml><?xml version="1.0" encoding="utf-8"?>
-<p:sld xmlns:a="http://schemas.openxmlformats.org/drawingml/2006/main" xmlns:r="http://schemas.openxmlformats.org/officeDocument/2006/relationships" xmlns:p="http://schemas.openxmlformats.org/presentationml/2006/main">
-  <p:cSld>
-    <p:spTree>
-      <p:nvGrpSpPr>
-        <p:cNvPr id="1" name=""/>
-        <p:cNvGrpSpPr/>
-        <p:nvPr/>
-      </p:nvGrpSpPr>
-      <p:grpSpPr>
-        <a:xfrm>
-          <a:off x="0" y="0"/>
-          <a:ext cx="0" cy="0"/>
-          <a:chOff x="0" y="0"/>
-          <a:chExt cx="0" cy="0"/>
-        </a:xfrm>
-      </p:grpSpPr>
-      <p:sp>
-        <p:nvSpPr>
-          <p:cNvPr id="14" name="직사각형 13">
-            <a:extLst>
-              <a:ext uri="{FF2B5EF4-FFF2-40B4-BE49-F238E27FC236}">
-                <a16:creationId xmlns:a16="http://schemas.microsoft.com/office/drawing/2014/main" id="{C0D8D0DE-9976-424B-BBE5-B069DF94649C}"/>
-              </a:ext>
-            </a:extLst>
-          </p:cNvPr>
-          <p:cNvSpPr/>
-          <p:nvPr/>
-        </p:nvSpPr>
-        <p:spPr>
-          <a:xfrm>
-            <a:off x="0" y="0"/>
-            <a:ext cx="12192000" cy="127000"/>
-          </a:xfrm>
-          <a:prstGeom prst="rect">
-            <a:avLst/>
-          </a:prstGeom>
-          <a:solidFill>
-            <a:schemeClr val="accent2"/>
-          </a:solidFill>
-          <a:ln>
-            <a:noFill/>
-          </a:ln>
-        </p:spPr>
-        <p:style>
-          <a:lnRef idx="2">
-            <a:schemeClr val="accent1">
-              <a:shade val="50000"/>
-            </a:schemeClr>
-          </a:lnRef>
-          <a:fillRef idx="1">
-            <a:schemeClr val="accent1"/>
-          </a:fillRef>
-          <a:effectRef idx="0">
-            <a:schemeClr val="accent1"/>
-          </a:effectRef>
-          <a:fontRef idx="minor">
-            <a:schemeClr val="lt1"/>
-          </a:fontRef>
-        </p:style>
-        <p:txBody>
-          <a:bodyPr rtlCol="0" anchor="ctr"/>
-          <a:lstStyle/>
-          <a:p>
-            <a:pPr algn="ctr"/>
-            <a:endParaRPr lang="ko-KR" altLang="en-US"/>
-          </a:p>
-        </p:txBody>
-      </p:sp>
-      <p:cxnSp>
-        <p:nvCxnSpPr>
-          <p:cNvPr id="15" name="직선 연결선 14">
-            <a:extLst>
-              <a:ext uri="{FF2B5EF4-FFF2-40B4-BE49-F238E27FC236}">
-                <a16:creationId xmlns:a16="http://schemas.microsoft.com/office/drawing/2014/main" id="{74D3DE46-63F8-4BCC-8069-25C00E33488B}"/>
-              </a:ext>
-            </a:extLst>
-          </p:cNvPr>
-          <p:cNvCxnSpPr>
-            <a:cxnSpLocks/>
-          </p:cNvCxnSpPr>
-          <p:nvPr/>
-        </p:nvCxnSpPr>
-        <p:spPr>
-          <a:xfrm>
-            <a:off x="-152400" y="1054100"/>
-            <a:ext cx="12344400" cy="0"/>
-          </a:xfrm>
-          <a:prstGeom prst="line">
-            <a:avLst/>
-          </a:prstGeom>
-          <a:ln>
-            <a:solidFill>
-              <a:schemeClr val="accent3"/>
-            </a:solidFill>
-          </a:ln>
-        </p:spPr>
-        <p:style>
-          <a:lnRef idx="1">
-            <a:schemeClr val="accent1"/>
-          </a:lnRef>
-          <a:fillRef idx="0">
-            <a:schemeClr val="accent1"/>
-          </a:fillRef>
-          <a:effectRef idx="0">
-            <a:schemeClr val="accent1"/>
-          </a:effectRef>
-          <a:fontRef idx="minor">
-            <a:schemeClr val="tx1"/>
-          </a:fontRef>
-        </p:style>
-      </p:cxnSp>
-      <p:sp>
-        <p:nvSpPr>
-          <p:cNvPr id="16" name="TextBox 15">
-            <a:extLst>
-              <a:ext uri="{FF2B5EF4-FFF2-40B4-BE49-F238E27FC236}">
-                <a16:creationId xmlns:a16="http://schemas.microsoft.com/office/drawing/2014/main" id="{25F6FC0B-D5E0-4E2F-8315-4433F3BB5B19}"/>
-              </a:ext>
-            </a:extLst>
-          </p:cNvPr>
-          <p:cNvSpPr txBox="1"/>
-          <p:nvPr/>
-        </p:nvSpPr>
-        <p:spPr>
-          <a:xfrm>
-            <a:off x="863600" y="285462"/>
-            <a:ext cx="9084538" cy="584775"/>
-          </a:xfrm>
-          <a:prstGeom prst="rect">
-            <a:avLst/>
-          </a:prstGeom>
-          <a:noFill/>
-        </p:spPr>
-        <p:txBody>
-          <a:bodyPr wrap="none" rtlCol="0">
-            <a:spAutoFit/>
-          </a:bodyPr>
-          <a:lstStyle/>
-          <a:p>
-            <a:r>
-              <a:rPr lang="ko-KR" altLang="en-US" sz="3200" dirty="0">
-                <a:solidFill>
-                  <a:schemeClr val="tx1">
-                    <a:lumMod val="75000"/>
-                    <a:lumOff val="25000"/>
-                  </a:schemeClr>
-                </a:solidFill>
-              </a:rPr>
-              <a:t>인터페이스 구상 </a:t>
-            </a:r>
-            <a:r>
-              <a:rPr lang="en-US" altLang="ko-KR" sz="3200" dirty="0">
-                <a:solidFill>
-                  <a:schemeClr val="tx1">
-                    <a:lumMod val="75000"/>
-                    <a:lumOff val="25000"/>
-                  </a:schemeClr>
-                </a:solidFill>
-              </a:rPr>
-              <a:t>– </a:t>
-            </a:r>
-            <a:r>
-              <a:rPr lang="ko-KR" altLang="en-US" sz="3200" dirty="0">
-                <a:solidFill>
-                  <a:schemeClr val="tx1">
-                    <a:lumMod val="75000"/>
-                    <a:lumOff val="25000"/>
-                  </a:schemeClr>
-                </a:solidFill>
-              </a:rPr>
-              <a:t>메인 및 커뮤니티 항목 클릭 시</a:t>
-            </a:r>
-          </a:p>
-        </p:txBody>
-      </p:sp>
-      <p:pic>
-        <p:nvPicPr>
-          <p:cNvPr id="3" name="그림 2">
-            <a:extLst>
-              <a:ext uri="{FF2B5EF4-FFF2-40B4-BE49-F238E27FC236}">
-                <a16:creationId xmlns:a16="http://schemas.microsoft.com/office/drawing/2014/main" id="{507FF7CF-C7B6-10FD-94C7-BA8193F0ABB7}"/>
-              </a:ext>
-            </a:extLst>
-          </p:cNvPr>
-          <p:cNvPicPr>
-            <a:picLocks noChangeAspect="1"/>
-          </p:cNvPicPr>
-          <p:nvPr/>
-        </p:nvPicPr>
-        <p:blipFill>
-          <a:blip r:embed="rId2" cstate="screen">
-            <a:extLst>
-              <a:ext uri="{28A0092B-C50C-407E-A947-70E740481C1C}">
-                <a14:useLocalDpi xmlns:a14="http://schemas.microsoft.com/office/drawing/2010/main" val="0"/>
-              </a:ext>
-            </a:extLst>
-          </a:blip>
-          <a:stretch>
-            <a:fillRect/>
-          </a:stretch>
-        </p:blipFill>
-        <p:spPr>
-          <a:xfrm>
-            <a:off x="6345028" y="1372454"/>
-            <a:ext cx="3603110" cy="4761900"/>
-          </a:xfrm>
-          <a:prstGeom prst="rect">
-            <a:avLst/>
-          </a:prstGeom>
-        </p:spPr>
-      </p:pic>
-      <p:pic>
-        <p:nvPicPr>
-          <p:cNvPr id="5" name="그림 4">
-            <a:extLst>
-              <a:ext uri="{FF2B5EF4-FFF2-40B4-BE49-F238E27FC236}">
-                <a16:creationId xmlns:a16="http://schemas.microsoft.com/office/drawing/2014/main" id="{A5DE3972-1A24-05F8-E782-45B1C58C0269}"/>
-              </a:ext>
-            </a:extLst>
-          </p:cNvPr>
-          <p:cNvPicPr>
-            <a:picLocks noChangeAspect="1"/>
-          </p:cNvPicPr>
-          <p:nvPr/>
-        </p:nvPicPr>
-        <p:blipFill>
-          <a:blip r:embed="rId3" cstate="screen">
-            <a:extLst>
-              <a:ext uri="{28A0092B-C50C-407E-A947-70E740481C1C}">
-                <a14:useLocalDpi xmlns:a14="http://schemas.microsoft.com/office/drawing/2010/main" val="0"/>
-              </a:ext>
-            </a:extLst>
-          </a:blip>
-          <a:stretch>
-            <a:fillRect/>
-          </a:stretch>
-        </p:blipFill>
-        <p:spPr>
-          <a:xfrm>
-            <a:off x="863600" y="1237964"/>
-            <a:ext cx="3603110" cy="4896390"/>
-          </a:xfrm>
-          <a:prstGeom prst="rect">
-            <a:avLst/>
-          </a:prstGeom>
-        </p:spPr>
-      </p:pic>
-    </p:spTree>
-    <p:extLst>
-      <p:ext uri="{BB962C8B-B14F-4D97-AF65-F5344CB8AC3E}">
-        <p14:creationId xmlns:p14="http://schemas.microsoft.com/office/powerpoint/2010/main" val="825206773"/>
-      </p:ext>
-    </p:extLst>
-  </p:cSld>
-  <p:clrMapOvr>
-    <a:masterClrMapping/>
-  </p:clrMapOvr>
-  <mc:AlternateContent xmlns:mc="http://schemas.openxmlformats.org/markup-compatibility/2006" xmlns:p159="http://schemas.microsoft.com/office/powerpoint/2015/09/main">
-    <mc:Choice Requires="p159">
-      <p:transition xmlns:p14="http://schemas.microsoft.com/office/powerpoint/2010/main" spd="slow" p14:dur="2000">
-        <p159:morph option="byObject"/>
-      </p:transition>
-    </mc:Choice>
-    <mc:Fallback xmlns="">
-      <p:transition spd="slow">
-        <p:fade/>
-      </p:transition>
-    </mc:Fallback>
-  </mc:AlternateContent>
 </p:sld>
 </file>
 
